--- a/3 am/بناء المشاريع 3/استخدام الأصوات 1/cours 13/عرض الدرس.pptx
+++ b/3 am/بناء المشاريع 3/استخدام الأصوات 1/cours 13/عرض الدرس.pptx
@@ -6,10 +6,10 @@
   </p:sldMasterIdLst>
   <p:sldIdLst>
     <p:sldId id="263" r:id="rId2"/>
-    <p:sldId id="271" r:id="rId3"/>
-    <p:sldId id="264" r:id="rId4"/>
+    <p:sldId id="264" r:id="rId3"/>
+    <p:sldId id="260" r:id="rId4"/>
     <p:sldId id="270" r:id="rId5"/>
-    <p:sldId id="260" r:id="rId6"/>
+    <p:sldId id="271" r:id="rId6"/>
     <p:sldId id="269" r:id="rId7"/>
   </p:sldIdLst>
   <p:sldSz cx="12192000" cy="6858000"/>
@@ -248,7 +248,7 @@
           <a:p>
             <a:fld id="{33E46DBA-FA3B-4C5F-B700-4671668DAB72}" type="datetimeFigureOut">
               <a:rPr lang="fr-FR" smtClean="0"/>
-              <a:t>18/02/2025</a:t>
+              <a:t>09/04/2025</a:t>
             </a:fld>
             <a:endParaRPr lang="fr-FR"/>
           </a:p>
@@ -418,7 +418,7 @@
           <a:p>
             <a:fld id="{33E46DBA-FA3B-4C5F-B700-4671668DAB72}" type="datetimeFigureOut">
               <a:rPr lang="fr-FR" smtClean="0"/>
-              <a:t>18/02/2025</a:t>
+              <a:t>09/04/2025</a:t>
             </a:fld>
             <a:endParaRPr lang="fr-FR"/>
           </a:p>
@@ -598,7 +598,7 @@
           <a:p>
             <a:fld id="{33E46DBA-FA3B-4C5F-B700-4671668DAB72}" type="datetimeFigureOut">
               <a:rPr lang="fr-FR" smtClean="0"/>
-              <a:t>18/02/2025</a:t>
+              <a:t>09/04/2025</a:t>
             </a:fld>
             <a:endParaRPr lang="fr-FR"/>
           </a:p>
@@ -768,7 +768,7 @@
           <a:p>
             <a:fld id="{33E46DBA-FA3B-4C5F-B700-4671668DAB72}" type="datetimeFigureOut">
               <a:rPr lang="fr-FR" smtClean="0"/>
-              <a:t>18/02/2025</a:t>
+              <a:t>09/04/2025</a:t>
             </a:fld>
             <a:endParaRPr lang="fr-FR"/>
           </a:p>
@@ -1014,7 +1014,7 @@
           <a:p>
             <a:fld id="{33E46DBA-FA3B-4C5F-B700-4671668DAB72}" type="datetimeFigureOut">
               <a:rPr lang="fr-FR" smtClean="0"/>
-              <a:t>18/02/2025</a:t>
+              <a:t>09/04/2025</a:t>
             </a:fld>
             <a:endParaRPr lang="fr-FR"/>
           </a:p>
@@ -1246,7 +1246,7 @@
           <a:p>
             <a:fld id="{33E46DBA-FA3B-4C5F-B700-4671668DAB72}" type="datetimeFigureOut">
               <a:rPr lang="fr-FR" smtClean="0"/>
-              <a:t>18/02/2025</a:t>
+              <a:t>09/04/2025</a:t>
             </a:fld>
             <a:endParaRPr lang="fr-FR"/>
           </a:p>
@@ -1613,7 +1613,7 @@
           <a:p>
             <a:fld id="{33E46DBA-FA3B-4C5F-B700-4671668DAB72}" type="datetimeFigureOut">
               <a:rPr lang="fr-FR" smtClean="0"/>
-              <a:t>18/02/2025</a:t>
+              <a:t>09/04/2025</a:t>
             </a:fld>
             <a:endParaRPr lang="fr-FR"/>
           </a:p>
@@ -1731,7 +1731,7 @@
           <a:p>
             <a:fld id="{33E46DBA-FA3B-4C5F-B700-4671668DAB72}" type="datetimeFigureOut">
               <a:rPr lang="fr-FR" smtClean="0"/>
-              <a:t>18/02/2025</a:t>
+              <a:t>09/04/2025</a:t>
             </a:fld>
             <a:endParaRPr lang="fr-FR"/>
           </a:p>
@@ -1826,7 +1826,7 @@
           <a:p>
             <a:fld id="{33E46DBA-FA3B-4C5F-B700-4671668DAB72}" type="datetimeFigureOut">
               <a:rPr lang="fr-FR" smtClean="0"/>
-              <a:t>18/02/2025</a:t>
+              <a:t>09/04/2025</a:t>
             </a:fld>
             <a:endParaRPr lang="fr-FR"/>
           </a:p>
@@ -2103,7 +2103,7 @@
           <a:p>
             <a:fld id="{33E46DBA-FA3B-4C5F-B700-4671668DAB72}" type="datetimeFigureOut">
               <a:rPr lang="fr-FR" smtClean="0"/>
-              <a:t>18/02/2025</a:t>
+              <a:t>09/04/2025</a:t>
             </a:fld>
             <a:endParaRPr lang="fr-FR"/>
           </a:p>
@@ -2356,7 +2356,7 @@
           <a:p>
             <a:fld id="{33E46DBA-FA3B-4C5F-B700-4671668DAB72}" type="datetimeFigureOut">
               <a:rPr lang="fr-FR" smtClean="0"/>
-              <a:t>18/02/2025</a:t>
+              <a:t>09/04/2025</a:t>
             </a:fld>
             <a:endParaRPr lang="fr-FR"/>
           </a:p>
@@ -2569,7 +2569,7 @@
           <a:p>
             <a:fld id="{33E46DBA-FA3B-4C5F-B700-4671668DAB72}" type="datetimeFigureOut">
               <a:rPr lang="fr-FR" smtClean="0"/>
-              <a:t>18/02/2025</a:t>
+              <a:t>09/04/2025</a:t>
             </a:fld>
             <a:endParaRPr lang="fr-FR"/>
           </a:p>
@@ -2998,12 +2998,28 @@
           <a:p>
             <a:pPr algn="ctr"/>
             <a:r>
-              <a:rPr lang="ar-DZ" sz="4400" b="1" u="sng" dirty="0" smtClean="0">
+              <a:rPr lang="ar-DZ" sz="4400" b="1" u="sng" dirty="0">
                 <a:solidFill>
                   <a:srgbClr val="FF0000"/>
                 </a:solidFill>
               </a:rPr>
-              <a:t>تغذية راجعة</a:t>
+              <a:t>الوضعية</a:t>
+            </a:r>
+            <a:r>
+              <a:rPr lang="ar-DZ" sz="4400" u="sng" dirty="0">
+                <a:solidFill>
+                  <a:srgbClr val="FF0000"/>
+                </a:solidFill>
+              </a:rPr>
+              <a:t> </a:t>
+            </a:r>
+            <a:r>
+              <a:rPr lang="ar-DZ" sz="4400" b="1" u="sng" dirty="0" err="1">
+                <a:solidFill>
+                  <a:srgbClr val="FF0000"/>
+                </a:solidFill>
+              </a:rPr>
+              <a:t>الإنطلاقية</a:t>
             </a:r>
             <a:endParaRPr lang="ar-DZ" sz="4400" b="1" u="sng" dirty="0">
               <a:solidFill>
@@ -3018,7 +3034,7 @@
           <p:cNvPr id="6" name="Rectangle : coins arrondis 12">
             <a:extLst>
               <a:ext uri="{FF2B5EF4-FFF2-40B4-BE49-F238E27FC236}">
-                <a16:creationId xmlns:a16="http://schemas.microsoft.com/office/drawing/2014/main" xmlns="" id="{2A52F28A-4066-7F20-F61B-78B99AF33888}"/>
+                <a16:creationId xmlns="" xmlns:a16="http://schemas.microsoft.com/office/drawing/2014/main" id="{2A52F28A-4066-7F20-F61B-78B99AF33888}"/>
               </a:ext>
             </a:extLst>
           </p:cNvPr>
@@ -3027,8 +3043,8 @@
         </p:nvSpPr>
         <p:spPr>
           <a:xfrm>
-            <a:off x="624114" y="1565753"/>
-            <a:ext cx="11567886" cy="2182317"/>
+            <a:off x="624114" y="1077237"/>
+            <a:ext cx="11567886" cy="3995803"/>
           </a:xfrm>
           <a:prstGeom prst="roundRect">
             <a:avLst/>
@@ -3058,35 +3074,71 @@
           <a:p>
             <a:pPr marL="571500" indent="-571500" algn="r" rtl="1">
               <a:buFont typeface="Wingdings" panose="05000000000000000000" pitchFamily="2" charset="2"/>
-              <a:buChar char="ü"/>
+              <a:buChar char="Ø"/>
             </a:pPr>
             <a:r>
-              <a:rPr lang="ar-DZ" sz="4000" dirty="0">
-                <a:cs typeface="+mj-cs"/>
-              </a:rPr>
-              <a:t>ما هي طريقة إدراج صوت و فيديو ؟</a:t>
-            </a:r>
+              <a:rPr lang="ar-DZ" sz="4000" dirty="0" smtClean="0"/>
+              <a:t>عرض </a:t>
+            </a:r>
+            <a:r>
+              <a:rPr lang="ar-DZ" sz="4000" dirty="0"/>
+              <a:t>مقطع برمجي بالصوت و اخر بدون </a:t>
+            </a:r>
+            <a:r>
+              <a:rPr lang="ar-DZ" sz="4000" dirty="0" smtClean="0"/>
+              <a:t>صوت.</a:t>
+            </a:r>
+            <a:endParaRPr lang="ar-DZ" sz="4000" dirty="0"/>
           </a:p>
           <a:p>
             <a:pPr marL="571500" indent="-571500" algn="r" rtl="1">
               <a:buFont typeface="Wingdings" panose="05000000000000000000" pitchFamily="2" charset="2"/>
-              <a:buChar char="ü"/>
+              <a:buChar char="Ø"/>
             </a:pPr>
             <a:r>
-              <a:rPr lang="ar-DZ" sz="4000" dirty="0" smtClean="0">
-                <a:cs typeface="+mj-cs"/>
-              </a:rPr>
+              <a:rPr lang="ar-DZ" sz="4000" dirty="0" smtClean="0"/>
               <a:t>ما </a:t>
             </a:r>
             <a:r>
-              <a:rPr lang="ar-DZ" sz="4000" dirty="0">
-                <a:cs typeface="+mj-cs"/>
-              </a:rPr>
-              <a:t>هي المصادر التي يمكننا إضافة من خلالها صوت أو فيديو ؟</a:t>
-            </a:r>
-            <a:endParaRPr lang="fr-FR" sz="4000" dirty="0">
-              <a:cs typeface="+mj-cs"/>
-            </a:endParaRPr>
+              <a:rPr lang="ar-DZ" sz="4000" dirty="0"/>
+              <a:t>الفرق بين المقطعين ؟ </a:t>
+            </a:r>
+          </a:p>
+          <a:p>
+            <a:pPr marL="571500" indent="-571500" algn="r" rtl="1">
+              <a:buFont typeface="Wingdings" panose="05000000000000000000" pitchFamily="2" charset="2"/>
+              <a:buChar char="Ø"/>
+            </a:pPr>
+            <a:r>
+              <a:rPr lang="ar-DZ" sz="4000" dirty="0" smtClean="0"/>
+              <a:t>نلاحظ </a:t>
+            </a:r>
+            <a:r>
+              <a:rPr lang="ar-DZ" sz="4000" dirty="0"/>
+              <a:t>أن ما يجعل قصص أفلام الكرتون مسلية و مشوقة هو الأصوات المضافة إليها. </a:t>
+            </a:r>
+          </a:p>
+          <a:p>
+            <a:pPr marL="571500" indent="-571500" algn="r" rtl="1">
+              <a:buFont typeface="Wingdings" panose="05000000000000000000" pitchFamily="2" charset="2"/>
+              <a:buChar char="Ø"/>
+            </a:pPr>
+            <a:r>
+              <a:rPr lang="ar-DZ" sz="4000" dirty="0" smtClean="0"/>
+              <a:t>فكيف </a:t>
+            </a:r>
+            <a:r>
+              <a:rPr lang="ar-DZ" sz="4000" dirty="0"/>
+              <a:t>يمكن إضافة الأصوات في </a:t>
+            </a:r>
+            <a:r>
+              <a:rPr lang="ar-DZ" sz="4000" dirty="0" err="1"/>
+              <a:t>سكراتش</a:t>
+            </a:r>
+            <a:r>
+              <a:rPr lang="ar-DZ" sz="4000" dirty="0"/>
+              <a:t> ؟ </a:t>
+            </a:r>
           </a:p>
         </p:txBody>
       </p:sp>
@@ -3132,260 +3184,13 @@
       </p:grpSpPr>
       <p:sp>
         <p:nvSpPr>
-          <p:cNvPr id="9" name="ZoneTexte 8"/>
-          <p:cNvSpPr txBox="1"/>
-          <p:nvPr/>
-        </p:nvSpPr>
-        <p:spPr>
-          <a:xfrm>
-            <a:off x="400831" y="307796"/>
-            <a:ext cx="11398685" cy="769441"/>
-          </a:xfrm>
-          <a:prstGeom prst="rect">
-            <a:avLst/>
-          </a:prstGeom>
-          <a:noFill/>
-        </p:spPr>
-        <p:txBody>
-          <a:bodyPr wrap="square" rtlCol="1">
-            <a:spAutoFit/>
-          </a:bodyPr>
-          <a:lstStyle/>
-          <a:p>
-            <a:pPr algn="ctr"/>
-            <a:r>
-              <a:rPr lang="ar-DZ" sz="4400" b="1" u="sng" dirty="0" smtClean="0">
-                <a:solidFill>
-                  <a:srgbClr val="FF0000"/>
-                </a:solidFill>
-              </a:rPr>
-              <a:t>الوضعية</a:t>
-            </a:r>
-            <a:r>
-              <a:rPr lang="ar-DZ" sz="4400" u="sng" dirty="0" smtClean="0">
-                <a:solidFill>
-                  <a:srgbClr val="FF0000"/>
-                </a:solidFill>
-              </a:rPr>
-              <a:t> </a:t>
-            </a:r>
-            <a:r>
-              <a:rPr lang="ar-DZ" sz="4400" b="1" u="sng" dirty="0" err="1" smtClean="0">
-                <a:solidFill>
-                  <a:srgbClr val="FF0000"/>
-                </a:solidFill>
-              </a:rPr>
-              <a:t>الإنطلاقية</a:t>
-            </a:r>
-            <a:endParaRPr lang="ar-DZ" sz="4400" b="1" u="sng" dirty="0">
-              <a:solidFill>
-                <a:srgbClr val="FF0000"/>
-              </a:solidFill>
-            </a:endParaRPr>
-          </a:p>
-        </p:txBody>
-      </p:sp>
-      <p:sp>
-        <p:nvSpPr>
-          <p:cNvPr id="6" name="Rectangle : coins arrondis 12">
+          <p:cNvPr id="11" name="Rectangle 8">
             <a:extLst>
               <a:ext uri="{FF2B5EF4-FFF2-40B4-BE49-F238E27FC236}">
-                <a16:creationId xmlns:a16="http://schemas.microsoft.com/office/drawing/2014/main" xmlns="" id="{2A52F28A-4066-7F20-F61B-78B99AF33888}"/>
+                <a16:creationId xmlns="" xmlns:a16="http://schemas.microsoft.com/office/drawing/2014/main" id="{31EC9893-997B-FAF1-44A7-86DC576C44E1}"/>
               </a:ext>
             </a:extLst>
           </p:cNvPr>
-          <p:cNvSpPr/>
-          <p:nvPr/>
-        </p:nvSpPr>
-        <p:spPr>
-          <a:xfrm>
-            <a:off x="316230" y="1478071"/>
-            <a:ext cx="11567886" cy="3071665"/>
-          </a:xfrm>
-          <a:prstGeom prst="roundRect">
-            <a:avLst/>
-          </a:prstGeom>
-          <a:noFill/>
-          <a:ln w="57150">
-            <a:noFill/>
-          </a:ln>
-        </p:spPr>
-        <p:style>
-          <a:lnRef idx="2">
-            <a:schemeClr val="accent2"/>
-          </a:lnRef>
-          <a:fillRef idx="1">
-            <a:schemeClr val="lt1"/>
-          </a:fillRef>
-          <a:effectRef idx="0">
-            <a:schemeClr val="accent2"/>
-          </a:effectRef>
-          <a:fontRef idx="minor">
-            <a:schemeClr val="dk1"/>
-          </a:fontRef>
-        </p:style>
-        <p:txBody>
-          <a:bodyPr rtlCol="0" anchor="ctr"/>
-          <a:lstStyle/>
-          <a:p>
-            <a:pPr marL="685800" indent="-685800" algn="r" rtl="1">
-              <a:buFont typeface="Wingdings" panose="05000000000000000000" pitchFamily="2" charset="2"/>
-              <a:buChar char="Ø"/>
-            </a:pPr>
-            <a:r>
-              <a:rPr lang="ar-DZ" sz="4000" dirty="0">
-                <a:cs typeface="+mj-cs"/>
-              </a:rPr>
-              <a:t>عرض </a:t>
-            </a:r>
-            <a:r>
-              <a:rPr lang="ar-DZ" sz="4000" dirty="0" smtClean="0">
-                <a:cs typeface="+mj-cs"/>
-              </a:rPr>
-              <a:t>ملف</a:t>
-            </a:r>
-            <a:r>
-              <a:rPr lang="fr-FR" sz="4000" dirty="0" smtClean="0">
-                <a:cs typeface="+mj-cs"/>
-              </a:rPr>
-              <a:t>PowerPoint </a:t>
-            </a:r>
-            <a:r>
-              <a:rPr lang="ar-DZ" sz="4000" dirty="0" smtClean="0">
-                <a:cs typeface="+mj-cs"/>
-              </a:rPr>
-              <a:t> يحتوي </a:t>
-            </a:r>
-            <a:r>
-              <a:rPr lang="ar-DZ" sz="4000" dirty="0">
-                <a:cs typeface="+mj-cs"/>
-              </a:rPr>
-              <a:t>على عدة شرائح مع تأثيرات انتقالية</a:t>
-            </a:r>
-          </a:p>
-          <a:p>
-            <a:pPr marL="685800" indent="-685800" algn="r" rtl="1">
-              <a:buFont typeface="Wingdings" panose="05000000000000000000" pitchFamily="2" charset="2"/>
-              <a:buChar char="Ø"/>
-            </a:pPr>
-            <a:r>
-              <a:rPr lang="ar-DZ" sz="4000" dirty="0" smtClean="0">
-                <a:cs typeface="+mj-cs"/>
-              </a:rPr>
-              <a:t>ما </a:t>
-            </a:r>
-            <a:r>
-              <a:rPr lang="ar-DZ" sz="4000" dirty="0">
-                <a:cs typeface="+mj-cs"/>
-              </a:rPr>
-              <a:t>الذي </a:t>
-            </a:r>
-            <a:r>
-              <a:rPr lang="ar-DZ" sz="4000" dirty="0" smtClean="0">
-                <a:cs typeface="+mj-cs"/>
-              </a:rPr>
-              <a:t>أثار انتباهك أثناء العرض ؟</a:t>
-            </a:r>
-            <a:endParaRPr lang="ar-DZ" sz="4000" dirty="0">
-              <a:cs typeface="+mj-cs"/>
-            </a:endParaRPr>
-          </a:p>
-          <a:p>
-            <a:pPr marL="685800" indent="-685800" algn="r" rtl="1">
-              <a:buFont typeface="Wingdings" panose="05000000000000000000" pitchFamily="2" charset="2"/>
-              <a:buChar char="Ø"/>
-            </a:pPr>
-            <a:r>
-              <a:rPr lang="ar-DZ" sz="4000" dirty="0" smtClean="0">
-                <a:cs typeface="+mj-cs"/>
-              </a:rPr>
-              <a:t>كيف </a:t>
-            </a:r>
-            <a:r>
-              <a:rPr lang="ar-DZ" sz="4000" dirty="0">
-                <a:cs typeface="+mj-cs"/>
-              </a:rPr>
-              <a:t>يمكننا </a:t>
-            </a:r>
-            <a:r>
-              <a:rPr lang="ar-DZ" sz="4000" dirty="0" err="1">
-                <a:cs typeface="+mj-cs"/>
-              </a:rPr>
-              <a:t>الإنتقال</a:t>
-            </a:r>
-            <a:r>
-              <a:rPr lang="ar-DZ" sz="4000" dirty="0">
-                <a:cs typeface="+mj-cs"/>
-              </a:rPr>
-              <a:t> من شريحة لأخرى بطريقة شيقة و جذابة و ملفتة </a:t>
-            </a:r>
-            <a:r>
-              <a:rPr lang="ar-DZ" sz="4000" dirty="0" err="1">
-                <a:cs typeface="+mj-cs"/>
-              </a:rPr>
-              <a:t>للإنتباه</a:t>
-            </a:r>
-            <a:r>
-              <a:rPr lang="ar-DZ" sz="4000" dirty="0">
-                <a:cs typeface="+mj-cs"/>
-              </a:rPr>
-              <a:t> ؟</a:t>
-            </a:r>
-            <a:endParaRPr lang="ar-DZ" sz="4000" dirty="0">
-              <a:cs typeface="+mj-cs"/>
-            </a:endParaRPr>
-          </a:p>
-        </p:txBody>
-      </p:sp>
-    </p:spTree>
-    <p:extLst>
-      <p:ext uri="{BB962C8B-B14F-4D97-AF65-F5344CB8AC3E}">
-        <p14:creationId xmlns:p14="http://schemas.microsoft.com/office/powerpoint/2010/main" val="1734626162"/>
-      </p:ext>
-    </p:extLst>
-  </p:cSld>
-  <p:clrMapOvr>
-    <a:masterClrMapping/>
-  </p:clrMapOvr>
-  <p:transition spd="slow">
-    <p:push dir="u"/>
-  </p:transition>
-  <p:timing>
-    <p:tnLst>
-      <p:par>
-        <p:cTn id="1" dur="indefinite" restart="never" nodeType="tmRoot"/>
-      </p:par>
-    </p:tnLst>
-  </p:timing>
-</p:sld>
-</file>
-
-<file path=ppt/slides/slide3.xml><?xml version="1.0" encoding="utf-8"?>
-<p:sld xmlns:a="http://schemas.openxmlformats.org/drawingml/2006/main" xmlns:r="http://schemas.openxmlformats.org/officeDocument/2006/relationships" xmlns:p="http://schemas.openxmlformats.org/presentationml/2006/main">
-  <p:cSld>
-    <p:spTree>
-      <p:nvGrpSpPr>
-        <p:cNvPr id="1" name=""/>
-        <p:cNvGrpSpPr/>
-        <p:nvPr/>
-      </p:nvGrpSpPr>
-      <p:grpSpPr>
-        <a:xfrm>
-          <a:off x="0" y="0"/>
-          <a:ext cx="0" cy="0"/>
-          <a:chOff x="0" y="0"/>
-          <a:chExt cx="0" cy="0"/>
-        </a:xfrm>
-      </p:grpSpPr>
-      <p:sp>
-        <p:nvSpPr>
-          <p:cNvPr id="11" name="Rectangle 8">
-            <a:extLst>
-              <a:ext uri="{FF2B5EF4-FFF2-40B4-BE49-F238E27FC236}">
-                <a16:creationId xmlns:a16="http://schemas.microsoft.com/office/drawing/2014/main" xmlns="" id="{31EC9893-997B-FAF1-44A7-86DC576C44E1}"/>
-              </a:ext>
-            </a:extLst>
-          </p:cNvPr>
           <p:cNvSpPr>
             <a:spLocks noChangeArrowheads="1"/>
           </p:cNvSpPr>
@@ -3393,8 +3198,8 @@
         </p:nvSpPr>
         <p:spPr bwMode="auto">
           <a:xfrm>
-            <a:off x="672570" y="398224"/>
-            <a:ext cx="11200090" cy="5078313"/>
+            <a:off x="672570" y="798335"/>
+            <a:ext cx="11200090" cy="4278094"/>
           </a:xfrm>
           <a:prstGeom prst="rect">
             <a:avLst/>
@@ -3596,6 +3401,99 @@
             </a:lvl9pPr>
           </a:lstStyle>
           <a:p>
+            <a:pPr algn="r" rtl="1"/>
+            <a:r>
+              <a:rPr lang="ar-DZ" sz="3200" dirty="0">
+                <a:cs typeface="+mj-cs"/>
+              </a:rPr>
+              <a:t>أكمل الفراغ بما يناسب لاستنتاج أهمية استخدام الأصوات في </a:t>
+            </a:r>
+            <a:r>
+              <a:rPr lang="ar-DZ" sz="3200" dirty="0" err="1">
+                <a:cs typeface="+mj-cs"/>
+              </a:rPr>
+              <a:t>سكراتش</a:t>
+            </a:r>
+            <a:r>
+              <a:rPr lang="ar-DZ" sz="3200" dirty="0">
+                <a:cs typeface="+mj-cs"/>
+              </a:rPr>
+              <a:t> : </a:t>
+            </a:r>
+            <a:endParaRPr lang="fr-FR" sz="3200" dirty="0" smtClean="0">
+              <a:cs typeface="+mj-cs"/>
+            </a:endParaRPr>
+          </a:p>
+          <a:p>
+            <a:pPr algn="r" rtl="1"/>
+            <a:endParaRPr lang="ar-DZ" sz="3200" dirty="0">
+              <a:cs typeface="+mj-cs"/>
+            </a:endParaRPr>
+          </a:p>
+          <a:p>
+            <a:pPr algn="r" rtl="1"/>
+            <a:r>
+              <a:rPr lang="ar-DZ" sz="3200" dirty="0">
+                <a:cs typeface="+mj-cs"/>
+              </a:rPr>
+              <a:t>المشاريع ــــ الخلفية ـــ إضافة ــــ الأصوات ــــ الكائنات </a:t>
+            </a:r>
+            <a:endParaRPr lang="fr-FR" sz="3200" dirty="0" smtClean="0">
+              <a:cs typeface="+mj-cs"/>
+            </a:endParaRPr>
+          </a:p>
+          <a:p>
+            <a:pPr algn="r" rtl="1"/>
+            <a:endParaRPr lang="ar-DZ" sz="3200" dirty="0">
+              <a:cs typeface="+mj-cs"/>
+            </a:endParaRPr>
+          </a:p>
+          <a:p>
+            <a:pPr algn="r" rtl="1"/>
+            <a:r>
+              <a:rPr lang="ar-DZ" sz="3200" dirty="0">
+                <a:cs typeface="+mj-cs"/>
+              </a:rPr>
+              <a:t>يوفر </a:t>
+            </a:r>
+            <a:r>
+              <a:rPr lang="ar-DZ" sz="3200" dirty="0" err="1">
+                <a:cs typeface="+mj-cs"/>
+              </a:rPr>
+              <a:t>سكراتش</a:t>
+            </a:r>
+            <a:r>
+              <a:rPr lang="ar-DZ" sz="3200" dirty="0">
+                <a:cs typeface="+mj-cs"/>
+              </a:rPr>
+              <a:t> إمكانية ............... الأصوات سواء مع </a:t>
+            </a:r>
+            <a:r>
+              <a:rPr lang="ar-DZ" sz="3200" dirty="0" smtClean="0">
+                <a:cs typeface="+mj-cs"/>
+              </a:rPr>
+              <a:t>................ </a:t>
+            </a:r>
+            <a:r>
+              <a:rPr lang="ar-DZ" sz="3200" dirty="0">
+                <a:cs typeface="+mj-cs"/>
+              </a:rPr>
+              <a:t>أو مع المنصة، مما يجعل ................ أكثر متعة وتفاعلية. يمكن استخدام هذه </a:t>
+            </a:r>
+            <a:r>
+              <a:rPr lang="ar-DZ" sz="3200" dirty="0" smtClean="0">
+                <a:cs typeface="+mj-cs"/>
+              </a:rPr>
+              <a:t>................ </a:t>
+            </a:r>
+            <a:r>
+              <a:rPr lang="ar-DZ" sz="3200" dirty="0">
+                <a:cs typeface="+mj-cs"/>
+              </a:rPr>
+              <a:t>لإضافة مؤثرات مثل صوت القفز أو الموسيقى ................ </a:t>
+            </a:r>
+          </a:p>
+          <a:p>
             <a:pPr marL="571500" indent="-571500" algn="r" rtl="1">
               <a:lnSpc>
                 <a:spcPct val="150000"/>
@@ -3603,213 +3501,7 @@
               <a:buFont typeface="Wingdings" panose="05000000000000000000" pitchFamily="2" charset="2"/>
               <a:buChar char="Ø"/>
             </a:pPr>
-            <a:r>
-              <a:rPr lang="ar-DZ" sz="2400" dirty="0">
-                <a:cs typeface="+mj-cs"/>
-              </a:rPr>
-              <a:t>قم بإنشاء ملف عرض تقديمي يحتوي علي شريحتين أكتب في الشريحة لأولى </a:t>
-            </a:r>
-            <a:r>
-              <a:rPr lang="fr-FR" sz="2400" dirty="0" smtClean="0">
-                <a:cs typeface="+mj-cs"/>
-              </a:rPr>
-              <a:t>Diapositive</a:t>
-            </a:r>
-            <a:r>
-              <a:rPr lang="fr-FR" sz="2400" dirty="0">
-                <a:cs typeface="+mj-cs"/>
-              </a:rPr>
-              <a:t> </a:t>
-            </a:r>
-            <a:r>
-              <a:rPr lang="fr-FR" sz="2400" dirty="0" smtClean="0">
-                <a:cs typeface="+mj-cs"/>
-              </a:rPr>
-              <a:t>1</a:t>
-            </a:r>
-            <a:r>
-              <a:rPr lang="ar-DZ" sz="2400" dirty="0" smtClean="0">
-                <a:cs typeface="+mj-cs"/>
-              </a:rPr>
-              <a:t> و </a:t>
-            </a:r>
-            <a:r>
-              <a:rPr lang="ar-DZ" sz="2400" dirty="0">
-                <a:cs typeface="+mj-cs"/>
-              </a:rPr>
-              <a:t>في الثانية </a:t>
-            </a:r>
-            <a:r>
-              <a:rPr lang="fr-FR" sz="2400" dirty="0">
-                <a:cs typeface="+mj-cs"/>
-              </a:rPr>
-              <a:t>Diapositive </a:t>
-            </a:r>
-            <a:r>
-              <a:rPr lang="fr-FR" sz="2400" dirty="0" smtClean="0">
-                <a:cs typeface="+mj-cs"/>
-              </a:rPr>
-              <a:t>2 </a:t>
-            </a:r>
-          </a:p>
-          <a:p>
-            <a:pPr marL="571500" indent="-571500" algn="r" rtl="1">
-              <a:lnSpc>
-                <a:spcPct val="150000"/>
-              </a:lnSpc>
-              <a:buFont typeface="Wingdings" panose="05000000000000000000" pitchFamily="2" charset="2"/>
-              <a:buChar char="Ø"/>
-            </a:pPr>
-            <a:r>
-              <a:rPr lang="ar-DZ" sz="2400" dirty="0" smtClean="0">
-                <a:cs typeface="+mj-cs"/>
-              </a:rPr>
-              <a:t>لنبحث عن التبويب المناسب الذي يسمح لنا بإضافة تأثيرات على الشريحة الأولى</a:t>
-            </a:r>
-          </a:p>
-          <a:p>
-            <a:pPr marL="571500" indent="-571500" algn="r" rtl="1">
-              <a:lnSpc>
-                <a:spcPct val="150000"/>
-              </a:lnSpc>
-              <a:buFont typeface="Wingdings" panose="05000000000000000000" pitchFamily="2" charset="2"/>
-              <a:buChar char="Ø"/>
-            </a:pPr>
-            <a:r>
-              <a:rPr lang="ar-DZ" sz="2400" dirty="0">
-                <a:cs typeface="+mj-cs"/>
-              </a:rPr>
-              <a:t>	ما اسم المجموعة التي تحتوي علي التأثيرات </a:t>
-            </a:r>
-            <a:r>
-              <a:rPr lang="ar-DZ" sz="2400" dirty="0" smtClean="0">
-                <a:cs typeface="+mj-cs"/>
-              </a:rPr>
-              <a:t>؟</a:t>
-            </a:r>
-          </a:p>
-          <a:p>
-            <a:pPr marL="571500" indent="-571500" algn="r" rtl="1">
-              <a:lnSpc>
-                <a:spcPct val="150000"/>
-              </a:lnSpc>
-              <a:buFont typeface="Wingdings" panose="05000000000000000000" pitchFamily="2" charset="2"/>
-              <a:buChar char="Ø"/>
-            </a:pPr>
-            <a:r>
-              <a:rPr lang="ar-DZ" sz="2400" dirty="0">
-                <a:cs typeface="+mj-cs"/>
-              </a:rPr>
-              <a:t>	في المجموعة </a:t>
-            </a:r>
-            <a:r>
-              <a:rPr lang="fr-FR" sz="2400" dirty="0">
-                <a:cs typeface="+mj-cs"/>
-              </a:rPr>
-              <a:t>Minutage ، </a:t>
-            </a:r>
-            <a:r>
-              <a:rPr lang="ar-DZ" sz="2400" dirty="0">
-                <a:cs typeface="+mj-cs"/>
-              </a:rPr>
-              <a:t>في </a:t>
-            </a:r>
-            <a:r>
-              <a:rPr lang="ar-DZ" sz="2400" dirty="0" smtClean="0">
-                <a:cs typeface="+mj-cs"/>
-              </a:rPr>
-              <a:t>التعليمة</a:t>
-            </a:r>
-            <a:r>
-              <a:rPr lang="fr-FR" sz="2400" dirty="0" smtClean="0">
-                <a:cs typeface="+mj-cs"/>
-              </a:rPr>
-              <a:t> Son </a:t>
-            </a:r>
-            <a:r>
-              <a:rPr lang="ar-DZ" sz="2400" dirty="0">
-                <a:cs typeface="+mj-cs"/>
-              </a:rPr>
-              <a:t>اختر إحدى الخيارات ثم اضغط على </a:t>
-            </a:r>
-            <a:r>
-              <a:rPr lang="fr-FR" sz="2400" dirty="0" smtClean="0">
-                <a:cs typeface="+mj-cs"/>
-              </a:rPr>
-              <a:t> Aperçu</a:t>
-            </a:r>
-            <a:r>
-              <a:rPr lang="ar-DZ" sz="2400" dirty="0" smtClean="0">
-                <a:cs typeface="+mj-cs"/>
-              </a:rPr>
-              <a:t>الموجود </a:t>
-            </a:r>
-            <a:r>
-              <a:rPr lang="ar-DZ" sz="2400" dirty="0">
-                <a:cs typeface="+mj-cs"/>
-              </a:rPr>
-              <a:t>أقصى اليسار، ماذا تلاحظ ؟ ما دور التعليمة </a:t>
-            </a:r>
-            <a:r>
-              <a:rPr lang="fr-FR" sz="2400" dirty="0" smtClean="0">
-                <a:cs typeface="+mj-cs"/>
-              </a:rPr>
-              <a:t> Son ؟</a:t>
-            </a:r>
-            <a:endParaRPr lang="ar-DZ" sz="2400" dirty="0" smtClean="0">
-              <a:cs typeface="+mj-cs"/>
-            </a:endParaRPr>
-          </a:p>
-          <a:p>
-            <a:pPr marL="571500" indent="-571500" algn="r" rtl="1">
-              <a:lnSpc>
-                <a:spcPct val="150000"/>
-              </a:lnSpc>
-              <a:buFont typeface="Wingdings" panose="05000000000000000000" pitchFamily="2" charset="2"/>
-              <a:buChar char="Ø"/>
-            </a:pPr>
-            <a:r>
-              <a:rPr lang="fr-FR" sz="2400" dirty="0">
-                <a:cs typeface="+mj-cs"/>
-              </a:rPr>
-              <a:t>	</a:t>
-            </a:r>
-            <a:r>
-              <a:rPr lang="ar-DZ" sz="2400" dirty="0">
-                <a:cs typeface="+mj-cs"/>
-              </a:rPr>
-              <a:t>معتمدا على نفس الطريقة ، ما دور التعليمة </a:t>
-            </a:r>
-            <a:r>
-              <a:rPr lang="fr-FR" sz="2400" dirty="0" smtClean="0">
-                <a:cs typeface="+mj-cs"/>
-              </a:rPr>
-              <a:t> Durée ؟</a:t>
-            </a:r>
-          </a:p>
-          <a:p>
-            <a:pPr marL="571500" lvl="0" indent="-571500" algn="r" rtl="1">
-              <a:lnSpc>
-                <a:spcPct val="150000"/>
-              </a:lnSpc>
-              <a:buFont typeface="Wingdings" panose="05000000000000000000" pitchFamily="2" charset="2"/>
-              <a:buChar char="Ø"/>
-            </a:pPr>
-            <a:r>
-              <a:rPr lang="ar-DZ" sz="2400" dirty="0"/>
-              <a:t>ماذا نقصد بهذه التعليمة أدناه ؟ (من يحاول ترجمة هذه التعليمة ؟)</a:t>
-            </a:r>
-            <a:endParaRPr lang="fr-FR" sz="2400" dirty="0"/>
-          </a:p>
-          <a:p>
-            <a:pPr marL="571500" indent="-571500" algn="r" rtl="1">
-              <a:lnSpc>
-                <a:spcPct val="150000"/>
-              </a:lnSpc>
-              <a:buFont typeface="Wingdings" panose="05000000000000000000" pitchFamily="2" charset="2"/>
-              <a:buChar char="Ø"/>
-            </a:pPr>
-            <a:endParaRPr lang="fr-FR" sz="2400" dirty="0">
+            <a:endParaRPr lang="fr-FR" sz="3200" dirty="0">
               <a:cs typeface="+mj-cs"/>
             </a:endParaRPr>
           </a:p>
@@ -3820,7 +3512,7 @@
           <p:cNvPr id="12" name="ZoneTexte 11">
             <a:extLst>
               <a:ext uri="{FF2B5EF4-FFF2-40B4-BE49-F238E27FC236}">
-                <a16:creationId xmlns:a16="http://schemas.microsoft.com/office/drawing/2014/main" xmlns="" id="{0B494AC6-9B2E-422F-B16A-015D6B0BA580}"/>
+                <a16:creationId xmlns="" xmlns:a16="http://schemas.microsoft.com/office/drawing/2014/main" id="{0B494AC6-9B2E-422F-B16A-015D6B0BA580}"/>
               </a:ext>
             </a:extLst>
           </p:cNvPr>
@@ -3879,7 +3571,7 @@
           <p:cNvPr id="13" name="Rectangle 9">
             <a:extLst>
               <a:ext uri="{FF2B5EF4-FFF2-40B4-BE49-F238E27FC236}">
-                <a16:creationId xmlns:a16="http://schemas.microsoft.com/office/drawing/2014/main" xmlns="" id="{894EDA96-9226-5939-95FB-4A21ACC79E4A}"/>
+                <a16:creationId xmlns="" xmlns:a16="http://schemas.microsoft.com/office/drawing/2014/main" id="{894EDA96-9226-5939-95FB-4A21ACC79E4A}"/>
               </a:ext>
             </a:extLst>
           </p:cNvPr>
@@ -3932,28 +3624,221 @@
           </a:p>
         </p:txBody>
       </p:sp>
-      <p:pic>
-        <p:nvPicPr>
-          <p:cNvPr id="5" name="Image 4"/>
-          <p:cNvPicPr/>
+      <p:sp>
+        <p:nvSpPr>
+          <p:cNvPr id="2" name="ZoneTexte 1"/>
+          <p:cNvSpPr txBox="1"/>
           <p:nvPr/>
-        </p:nvPicPr>
-        <p:blipFill>
-          <a:blip r:embed="rId2"/>
-          <a:stretch>
-            <a:fillRect/>
-          </a:stretch>
-        </p:blipFill>
+        </p:nvSpPr>
         <p:spPr>
           <a:xfrm>
-            <a:off x="4183694" y="4860100"/>
-            <a:ext cx="4885150" cy="1878904"/>
+            <a:off x="7392275" y="2801934"/>
+            <a:ext cx="1615859" cy="584775"/>
           </a:xfrm>
           <a:prstGeom prst="rect">
             <a:avLst/>
           </a:prstGeom>
+          <a:solidFill>
+            <a:schemeClr val="bg1"/>
+          </a:solidFill>
         </p:spPr>
-      </p:pic>
+        <p:txBody>
+          <a:bodyPr wrap="square" rtlCol="0">
+            <a:spAutoFit/>
+          </a:bodyPr>
+          <a:lstStyle/>
+          <a:p>
+            <a:pPr algn="ctr"/>
+            <a:r>
+              <a:rPr lang="ar-DZ" sz="3200" dirty="0" smtClean="0">
+                <a:solidFill>
+                  <a:srgbClr val="FF0000"/>
+                </a:solidFill>
+                <a:cs typeface="+mj-cs"/>
+              </a:rPr>
+              <a:t>إضافة</a:t>
+            </a:r>
+            <a:endParaRPr lang="fr-FR" sz="3200" dirty="0">
+              <a:solidFill>
+                <a:srgbClr val="FF0000"/>
+              </a:solidFill>
+              <a:cs typeface="+mj-cs"/>
+            </a:endParaRPr>
+          </a:p>
+        </p:txBody>
+      </p:sp>
+      <p:sp>
+        <p:nvSpPr>
+          <p:cNvPr id="7" name="ZoneTexte 6"/>
+          <p:cNvSpPr txBox="1"/>
+          <p:nvPr/>
+        </p:nvSpPr>
+        <p:spPr>
+          <a:xfrm>
+            <a:off x="3169085" y="2801935"/>
+            <a:ext cx="1726675" cy="584775"/>
+          </a:xfrm>
+          <a:prstGeom prst="rect">
+            <a:avLst/>
+          </a:prstGeom>
+          <a:solidFill>
+            <a:schemeClr val="bg1"/>
+          </a:solidFill>
+        </p:spPr>
+        <p:txBody>
+          <a:bodyPr wrap="square" rtlCol="0">
+            <a:spAutoFit/>
+          </a:bodyPr>
+          <a:lstStyle/>
+          <a:p>
+            <a:pPr algn="ctr"/>
+            <a:r>
+              <a:rPr lang="ar-DZ" sz="3200" dirty="0" smtClean="0">
+                <a:solidFill>
+                  <a:srgbClr val="FF0000"/>
+                </a:solidFill>
+                <a:cs typeface="+mj-cs"/>
+              </a:rPr>
+              <a:t>الكائنات</a:t>
+            </a:r>
+            <a:endParaRPr lang="fr-FR" sz="3200" dirty="0">
+              <a:solidFill>
+                <a:srgbClr val="FF0000"/>
+              </a:solidFill>
+              <a:cs typeface="+mj-cs"/>
+            </a:endParaRPr>
+          </a:p>
+        </p:txBody>
+      </p:sp>
+      <p:sp>
+        <p:nvSpPr>
+          <p:cNvPr id="8" name="ZoneTexte 7"/>
+          <p:cNvSpPr txBox="1"/>
+          <p:nvPr/>
+        </p:nvSpPr>
+        <p:spPr>
+          <a:xfrm>
+            <a:off x="8849589" y="3259483"/>
+            <a:ext cx="1684800" cy="584775"/>
+          </a:xfrm>
+          <a:prstGeom prst="rect">
+            <a:avLst/>
+          </a:prstGeom>
+          <a:solidFill>
+            <a:schemeClr val="bg1"/>
+          </a:solidFill>
+        </p:spPr>
+        <p:txBody>
+          <a:bodyPr wrap="square" rtlCol="0">
+            <a:spAutoFit/>
+          </a:bodyPr>
+          <a:lstStyle/>
+          <a:p>
+            <a:pPr algn="ctr"/>
+            <a:r>
+              <a:rPr lang="ar-DZ" sz="3200" dirty="0" smtClean="0">
+                <a:solidFill>
+                  <a:srgbClr val="FF0000"/>
+                </a:solidFill>
+                <a:cs typeface="+mj-cs"/>
+              </a:rPr>
+              <a:t>المشاريع</a:t>
+            </a:r>
+            <a:endParaRPr lang="fr-FR" sz="3200" dirty="0">
+              <a:solidFill>
+                <a:srgbClr val="FF0000"/>
+              </a:solidFill>
+              <a:cs typeface="+mj-cs"/>
+            </a:endParaRPr>
+          </a:p>
+        </p:txBody>
+      </p:sp>
+      <p:sp>
+        <p:nvSpPr>
+          <p:cNvPr id="9" name="ZoneTexte 8"/>
+          <p:cNvSpPr txBox="1"/>
+          <p:nvPr/>
+        </p:nvSpPr>
+        <p:spPr>
+          <a:xfrm>
+            <a:off x="2141951" y="3276692"/>
+            <a:ext cx="1811199" cy="584775"/>
+          </a:xfrm>
+          <a:prstGeom prst="rect">
+            <a:avLst/>
+          </a:prstGeom>
+          <a:solidFill>
+            <a:schemeClr val="bg1"/>
+          </a:solidFill>
+        </p:spPr>
+        <p:txBody>
+          <a:bodyPr wrap="square" rtlCol="0">
+            <a:spAutoFit/>
+          </a:bodyPr>
+          <a:lstStyle/>
+          <a:p>
+            <a:pPr algn="ctr"/>
+            <a:r>
+              <a:rPr lang="ar-DZ" sz="3200" dirty="0" smtClean="0">
+                <a:solidFill>
+                  <a:srgbClr val="FF0000"/>
+                </a:solidFill>
+                <a:cs typeface="+mj-cs"/>
+              </a:rPr>
+              <a:t>الأصوات</a:t>
+            </a:r>
+            <a:endParaRPr lang="fr-FR" sz="3200" dirty="0">
+              <a:solidFill>
+                <a:srgbClr val="FF0000"/>
+              </a:solidFill>
+              <a:cs typeface="+mj-cs"/>
+            </a:endParaRPr>
+          </a:p>
+        </p:txBody>
+      </p:sp>
+      <p:sp>
+        <p:nvSpPr>
+          <p:cNvPr id="10" name="ZoneTexte 9"/>
+          <p:cNvSpPr txBox="1"/>
+          <p:nvPr/>
+        </p:nvSpPr>
+        <p:spPr>
+          <a:xfrm>
+            <a:off x="5260933" y="3756576"/>
+            <a:ext cx="1611742" cy="584775"/>
+          </a:xfrm>
+          <a:prstGeom prst="rect">
+            <a:avLst/>
+          </a:prstGeom>
+          <a:solidFill>
+            <a:schemeClr val="bg1"/>
+          </a:solidFill>
+        </p:spPr>
+        <p:txBody>
+          <a:bodyPr wrap="square" rtlCol="0">
+            <a:spAutoFit/>
+          </a:bodyPr>
+          <a:lstStyle/>
+          <a:p>
+            <a:pPr algn="ctr"/>
+            <a:r>
+              <a:rPr lang="ar-DZ" sz="3200" dirty="0" smtClean="0">
+                <a:solidFill>
+                  <a:srgbClr val="FF0000"/>
+                </a:solidFill>
+                <a:cs typeface="+mj-cs"/>
+              </a:rPr>
+              <a:t>الخلفية</a:t>
+            </a:r>
+            <a:endParaRPr lang="fr-FR" sz="3200" dirty="0">
+              <a:solidFill>
+                <a:srgbClr val="FF0000"/>
+              </a:solidFill>
+              <a:cs typeface="+mj-cs"/>
+            </a:endParaRPr>
+          </a:p>
+        </p:txBody>
+      </p:sp>
     </p:spTree>
     <p:extLst>
       <p:ext uri="{BB962C8B-B14F-4D97-AF65-F5344CB8AC3E}">
@@ -3964,6 +3849,631 @@
   <p:clrMapOvr>
     <a:masterClrMapping/>
   </p:clrMapOvr>
+  <p:timing>
+    <p:tnLst>
+      <p:par>
+        <p:cTn id="1" dur="indefinite" restart="never" nodeType="tmRoot">
+          <p:childTnLst>
+            <p:seq concurrent="1" nextAc="seek">
+              <p:cTn id="2" dur="indefinite" nodeType="mainSeq">
+                <p:childTnLst>
+                  <p:par>
+                    <p:cTn id="3" fill="hold">
+                      <p:stCondLst>
+                        <p:cond delay="indefinite"/>
+                      </p:stCondLst>
+                      <p:childTnLst>
+                        <p:par>
+                          <p:cTn id="4" fill="hold">
+                            <p:stCondLst>
+                              <p:cond delay="0"/>
+                            </p:stCondLst>
+                            <p:childTnLst>
+                              <p:par>
+                                <p:cTn id="5" presetID="22" presetClass="entr" presetSubtype="4" fill="hold" grpId="0" nodeType="clickEffect">
+                                  <p:stCondLst>
+                                    <p:cond delay="0"/>
+                                  </p:stCondLst>
+                                  <p:childTnLst>
+                                    <p:set>
+                                      <p:cBhvr>
+                                        <p:cTn id="6" dur="1" fill="hold">
+                                          <p:stCondLst>
+                                            <p:cond delay="0"/>
+                                          </p:stCondLst>
+                                        </p:cTn>
+                                        <p:tgtEl>
+                                          <p:spTgt spid="2"/>
+                                        </p:tgtEl>
+                                        <p:attrNameLst>
+                                          <p:attrName>style.visibility</p:attrName>
+                                        </p:attrNameLst>
+                                      </p:cBhvr>
+                                      <p:to>
+                                        <p:strVal val="visible"/>
+                                      </p:to>
+                                    </p:set>
+                                    <p:animEffect transition="in" filter="wipe(down)">
+                                      <p:cBhvr>
+                                        <p:cTn id="7" dur="500"/>
+                                        <p:tgtEl>
+                                          <p:spTgt spid="2"/>
+                                        </p:tgtEl>
+                                      </p:cBhvr>
+                                    </p:animEffect>
+                                  </p:childTnLst>
+                                </p:cTn>
+                              </p:par>
+                            </p:childTnLst>
+                          </p:cTn>
+                        </p:par>
+                      </p:childTnLst>
+                    </p:cTn>
+                  </p:par>
+                  <p:par>
+                    <p:cTn id="8" fill="hold">
+                      <p:stCondLst>
+                        <p:cond delay="indefinite"/>
+                      </p:stCondLst>
+                      <p:childTnLst>
+                        <p:par>
+                          <p:cTn id="9" fill="hold">
+                            <p:stCondLst>
+                              <p:cond delay="0"/>
+                            </p:stCondLst>
+                            <p:childTnLst>
+                              <p:par>
+                                <p:cTn id="10" presetID="22" presetClass="entr" presetSubtype="4" fill="hold" grpId="0" nodeType="clickEffect">
+                                  <p:stCondLst>
+                                    <p:cond delay="0"/>
+                                  </p:stCondLst>
+                                  <p:childTnLst>
+                                    <p:set>
+                                      <p:cBhvr>
+                                        <p:cTn id="11" dur="1" fill="hold">
+                                          <p:stCondLst>
+                                            <p:cond delay="0"/>
+                                          </p:stCondLst>
+                                        </p:cTn>
+                                        <p:tgtEl>
+                                          <p:spTgt spid="7"/>
+                                        </p:tgtEl>
+                                        <p:attrNameLst>
+                                          <p:attrName>style.visibility</p:attrName>
+                                        </p:attrNameLst>
+                                      </p:cBhvr>
+                                      <p:to>
+                                        <p:strVal val="visible"/>
+                                      </p:to>
+                                    </p:set>
+                                    <p:animEffect transition="in" filter="wipe(down)">
+                                      <p:cBhvr>
+                                        <p:cTn id="12" dur="500"/>
+                                        <p:tgtEl>
+                                          <p:spTgt spid="7"/>
+                                        </p:tgtEl>
+                                      </p:cBhvr>
+                                    </p:animEffect>
+                                  </p:childTnLst>
+                                </p:cTn>
+                              </p:par>
+                            </p:childTnLst>
+                          </p:cTn>
+                        </p:par>
+                      </p:childTnLst>
+                    </p:cTn>
+                  </p:par>
+                  <p:par>
+                    <p:cTn id="13" fill="hold">
+                      <p:stCondLst>
+                        <p:cond delay="indefinite"/>
+                      </p:stCondLst>
+                      <p:childTnLst>
+                        <p:par>
+                          <p:cTn id="14" fill="hold">
+                            <p:stCondLst>
+                              <p:cond delay="0"/>
+                            </p:stCondLst>
+                            <p:childTnLst>
+                              <p:par>
+                                <p:cTn id="15" presetID="22" presetClass="entr" presetSubtype="4" fill="hold" grpId="0" nodeType="clickEffect">
+                                  <p:stCondLst>
+                                    <p:cond delay="0"/>
+                                  </p:stCondLst>
+                                  <p:childTnLst>
+                                    <p:set>
+                                      <p:cBhvr>
+                                        <p:cTn id="16" dur="1" fill="hold">
+                                          <p:stCondLst>
+                                            <p:cond delay="0"/>
+                                          </p:stCondLst>
+                                        </p:cTn>
+                                        <p:tgtEl>
+                                          <p:spTgt spid="8"/>
+                                        </p:tgtEl>
+                                        <p:attrNameLst>
+                                          <p:attrName>style.visibility</p:attrName>
+                                        </p:attrNameLst>
+                                      </p:cBhvr>
+                                      <p:to>
+                                        <p:strVal val="visible"/>
+                                      </p:to>
+                                    </p:set>
+                                    <p:animEffect transition="in" filter="wipe(down)">
+                                      <p:cBhvr>
+                                        <p:cTn id="17" dur="500"/>
+                                        <p:tgtEl>
+                                          <p:spTgt spid="8"/>
+                                        </p:tgtEl>
+                                      </p:cBhvr>
+                                    </p:animEffect>
+                                  </p:childTnLst>
+                                </p:cTn>
+                              </p:par>
+                            </p:childTnLst>
+                          </p:cTn>
+                        </p:par>
+                      </p:childTnLst>
+                    </p:cTn>
+                  </p:par>
+                  <p:par>
+                    <p:cTn id="18" fill="hold">
+                      <p:stCondLst>
+                        <p:cond delay="indefinite"/>
+                      </p:stCondLst>
+                      <p:childTnLst>
+                        <p:par>
+                          <p:cTn id="19" fill="hold">
+                            <p:stCondLst>
+                              <p:cond delay="0"/>
+                            </p:stCondLst>
+                            <p:childTnLst>
+                              <p:par>
+                                <p:cTn id="20" presetID="22" presetClass="entr" presetSubtype="4" fill="hold" grpId="0" nodeType="clickEffect">
+                                  <p:stCondLst>
+                                    <p:cond delay="0"/>
+                                  </p:stCondLst>
+                                  <p:childTnLst>
+                                    <p:set>
+                                      <p:cBhvr>
+                                        <p:cTn id="21" dur="1" fill="hold">
+                                          <p:stCondLst>
+                                            <p:cond delay="0"/>
+                                          </p:stCondLst>
+                                        </p:cTn>
+                                        <p:tgtEl>
+                                          <p:spTgt spid="9"/>
+                                        </p:tgtEl>
+                                        <p:attrNameLst>
+                                          <p:attrName>style.visibility</p:attrName>
+                                        </p:attrNameLst>
+                                      </p:cBhvr>
+                                      <p:to>
+                                        <p:strVal val="visible"/>
+                                      </p:to>
+                                    </p:set>
+                                    <p:animEffect transition="in" filter="wipe(down)">
+                                      <p:cBhvr>
+                                        <p:cTn id="22" dur="500"/>
+                                        <p:tgtEl>
+                                          <p:spTgt spid="9"/>
+                                        </p:tgtEl>
+                                      </p:cBhvr>
+                                    </p:animEffect>
+                                  </p:childTnLst>
+                                </p:cTn>
+                              </p:par>
+                            </p:childTnLst>
+                          </p:cTn>
+                        </p:par>
+                      </p:childTnLst>
+                    </p:cTn>
+                  </p:par>
+                  <p:par>
+                    <p:cTn id="23" fill="hold">
+                      <p:stCondLst>
+                        <p:cond delay="indefinite"/>
+                      </p:stCondLst>
+                      <p:childTnLst>
+                        <p:par>
+                          <p:cTn id="24" fill="hold">
+                            <p:stCondLst>
+                              <p:cond delay="0"/>
+                            </p:stCondLst>
+                            <p:childTnLst>
+                              <p:par>
+                                <p:cTn id="25" presetID="22" presetClass="entr" presetSubtype="4" fill="hold" grpId="0" nodeType="clickEffect">
+                                  <p:stCondLst>
+                                    <p:cond delay="0"/>
+                                  </p:stCondLst>
+                                  <p:childTnLst>
+                                    <p:set>
+                                      <p:cBhvr>
+                                        <p:cTn id="26" dur="1" fill="hold">
+                                          <p:stCondLst>
+                                            <p:cond delay="0"/>
+                                          </p:stCondLst>
+                                        </p:cTn>
+                                        <p:tgtEl>
+                                          <p:spTgt spid="10"/>
+                                        </p:tgtEl>
+                                        <p:attrNameLst>
+                                          <p:attrName>style.visibility</p:attrName>
+                                        </p:attrNameLst>
+                                      </p:cBhvr>
+                                      <p:to>
+                                        <p:strVal val="visible"/>
+                                      </p:to>
+                                    </p:set>
+                                    <p:animEffect transition="in" filter="wipe(down)">
+                                      <p:cBhvr>
+                                        <p:cTn id="27" dur="500"/>
+                                        <p:tgtEl>
+                                          <p:spTgt spid="10"/>
+                                        </p:tgtEl>
+                                      </p:cBhvr>
+                                    </p:animEffect>
+                                  </p:childTnLst>
+                                </p:cTn>
+                              </p:par>
+                            </p:childTnLst>
+                          </p:cTn>
+                        </p:par>
+                      </p:childTnLst>
+                    </p:cTn>
+                  </p:par>
+                </p:childTnLst>
+              </p:cTn>
+              <p:prevCondLst>
+                <p:cond evt="onPrev" delay="0">
+                  <p:tgtEl>
+                    <p:sldTgt/>
+                  </p:tgtEl>
+                </p:cond>
+              </p:prevCondLst>
+              <p:nextCondLst>
+                <p:cond evt="onNext" delay="0">
+                  <p:tgtEl>
+                    <p:sldTgt/>
+                  </p:tgtEl>
+                </p:cond>
+              </p:nextCondLst>
+            </p:seq>
+          </p:childTnLst>
+        </p:cTn>
+      </p:par>
+    </p:tnLst>
+    <p:bldLst>
+      <p:bldP spid="2" grpId="0" animBg="1"/>
+      <p:bldP spid="7" grpId="0" animBg="1"/>
+      <p:bldP spid="8" grpId="0" animBg="1"/>
+      <p:bldP spid="9" grpId="0" animBg="1"/>
+      <p:bldP spid="10" grpId="0" animBg="1"/>
+    </p:bldLst>
+  </p:timing>
+</p:sld>
+</file>
+
+<file path=ppt/slides/slide3.xml><?xml version="1.0" encoding="utf-8"?>
+<p:sld xmlns:a="http://schemas.openxmlformats.org/drawingml/2006/main" xmlns:r="http://schemas.openxmlformats.org/officeDocument/2006/relationships" xmlns:p="http://schemas.openxmlformats.org/presentationml/2006/main">
+  <p:cSld>
+    <p:bg>
+      <p:bgPr>
+        <a:gradFill>
+          <a:gsLst>
+            <a:gs pos="0">
+              <a:schemeClr val="bg1"/>
+            </a:gs>
+            <a:gs pos="100000">
+              <a:schemeClr val="accent4">
+                <a:lumMod val="20000"/>
+                <a:lumOff val="80000"/>
+              </a:schemeClr>
+            </a:gs>
+          </a:gsLst>
+          <a:lin ang="5400000" scaled="1"/>
+        </a:gradFill>
+        <a:effectLst/>
+      </p:bgPr>
+    </p:bg>
+    <p:spTree>
+      <p:nvGrpSpPr>
+        <p:cNvPr id="1" name=""/>
+        <p:cNvGrpSpPr/>
+        <p:nvPr/>
+      </p:nvGrpSpPr>
+      <p:grpSpPr>
+        <a:xfrm>
+          <a:off x="0" y="0"/>
+          <a:ext cx="0" cy="0"/>
+          <a:chOff x="0" y="0"/>
+          <a:chExt cx="0" cy="0"/>
+        </a:xfrm>
+      </p:grpSpPr>
+      <p:pic>
+        <p:nvPicPr>
+          <p:cNvPr id="3073" name="Image 8"/>
+          <p:cNvPicPr>
+            <a:picLocks noChangeAspect="1" noChangeArrowheads="1"/>
+          </p:cNvPicPr>
+          <p:nvPr/>
+        </p:nvPicPr>
+        <p:blipFill>
+          <a:blip r:embed="rId2" cstate="print">
+            <a:extLst>
+              <a:ext uri="{28A0092B-C50C-407E-A947-70E740481C1C}">
+                <a14:useLocalDpi xmlns:a14="http://schemas.microsoft.com/office/drawing/2010/main" val="0"/>
+              </a:ext>
+            </a:extLst>
+          </a:blip>
+          <a:srcRect/>
+          <a:stretch>
+            <a:fillRect/>
+          </a:stretch>
+        </p:blipFill>
+        <p:spPr bwMode="auto">
+          <a:xfrm>
+            <a:off x="3786389" y="3474714"/>
+            <a:ext cx="1971675" cy="45719"/>
+          </a:xfrm>
+          <a:prstGeom prst="rect">
+            <a:avLst/>
+          </a:prstGeom>
+          <a:noFill/>
+          <a:extLst>
+            <a:ext uri="{909E8E84-426E-40DD-AFC4-6F175D3DCCD1}">
+              <a14:hiddenFill xmlns:a14="http://schemas.microsoft.com/office/drawing/2010/main">
+                <a:solidFill>
+                  <a:srgbClr val="FFFFFF"/>
+                </a:solidFill>
+              </a14:hiddenFill>
+            </a:ext>
+          </a:extLst>
+        </p:spPr>
+      </p:pic>
+      <p:sp>
+        <p:nvSpPr>
+          <p:cNvPr id="3" name="Zone de texte 6"/>
+          <p:cNvSpPr txBox="1"/>
+          <p:nvPr/>
+        </p:nvSpPr>
+        <p:spPr>
+          <a:xfrm>
+            <a:off x="3830204" y="3122924"/>
+            <a:ext cx="2080895" cy="45719"/>
+          </a:xfrm>
+          <a:prstGeom prst="rect">
+            <a:avLst/>
+          </a:prstGeom>
+          <a:noFill/>
+          <a:ln w="6350">
+            <a:noFill/>
+          </a:ln>
+          <a:effectLst/>
+        </p:spPr>
+        <p:style>
+          <a:lnRef idx="0">
+            <a:schemeClr val="accent1"/>
+          </a:lnRef>
+          <a:fillRef idx="0">
+            <a:schemeClr val="accent1"/>
+          </a:fillRef>
+          <a:effectRef idx="0">
+            <a:schemeClr val="accent1"/>
+          </a:effectRef>
+          <a:fontRef idx="minor">
+            <a:schemeClr val="dk1"/>
+          </a:fontRef>
+        </p:style>
+        <p:txBody>
+          <a:bodyPr rot="0" spcFirstLastPara="0" vert="horz" wrap="square" lIns="91440" tIns="45720" rIns="91440" bIns="45720" numCol="1" spcCol="0" rtlCol="0" fromWordArt="0" anchor="t" anchorCtr="0" forceAA="0" compatLnSpc="1">
+            <a:prstTxWarp prst="textNoShape">
+              <a:avLst/>
+            </a:prstTxWarp>
+            <a:noAutofit/>
+          </a:bodyPr>
+          <a:lstStyle/>
+          <a:p>
+            <a:pPr>
+              <a:lnSpc>
+                <a:spcPct val="115000"/>
+              </a:lnSpc>
+              <a:spcAft>
+                <a:spcPts val="1000"/>
+              </a:spcAft>
+            </a:pPr>
+            <a:endParaRPr lang="fr-FR" sz="1600">
+              <a:effectLst/>
+              <a:ea typeface="Calibri" panose="020F0502020204030204" pitchFamily="34" charset="0"/>
+              <a:cs typeface="Arial" panose="020B0604020202020204" pitchFamily="34" charset="0"/>
+            </a:endParaRPr>
+          </a:p>
+        </p:txBody>
+      </p:sp>
+      <p:sp>
+        <p:nvSpPr>
+          <p:cNvPr id="2" name="Rectangle 3"/>
+          <p:cNvSpPr>
+            <a:spLocks noChangeArrowheads="1"/>
+          </p:cNvSpPr>
+          <p:nvPr/>
+        </p:nvSpPr>
+        <p:spPr bwMode="auto">
+          <a:xfrm>
+            <a:off x="3786389" y="2864737"/>
+            <a:ext cx="184731" cy="523220"/>
+          </a:xfrm>
+          <a:prstGeom prst="rect">
+            <a:avLst/>
+          </a:prstGeom>
+          <a:noFill/>
+          <a:ln>
+            <a:noFill/>
+          </a:ln>
+          <a:effectLst/>
+          <a:extLst>
+            <a:ext uri="{909E8E84-426E-40DD-AFC4-6F175D3DCCD1}">
+              <a14:hiddenFill xmlns:a14="http://schemas.microsoft.com/office/drawing/2010/main">
+                <a:solidFill>
+                  <a:schemeClr val="accent1"/>
+                </a:solidFill>
+              </a14:hiddenFill>
+            </a:ext>
+            <a:ext uri="{91240B29-F687-4F45-9708-019B960494DF}">
+              <a14:hiddenLine xmlns:a14="http://schemas.microsoft.com/office/drawing/2010/main" w="9525">
+                <a:solidFill>
+                  <a:schemeClr val="tx1"/>
+                </a:solidFill>
+                <a:miter lim="800000"/>
+                <a:headEnd/>
+                <a:tailEnd/>
+              </a14:hiddenLine>
+            </a:ext>
+            <a:ext uri="{AF507438-7753-43E0-B8FC-AC1667EBCBE1}">
+              <a14:hiddenEffects xmlns:a14="http://schemas.microsoft.com/office/drawing/2010/main">
+                <a:effectLst>
+                  <a:outerShdw dist="35921" dir="2700000" algn="ctr" rotWithShape="0">
+                    <a:schemeClr val="bg2"/>
+                  </a:outerShdw>
+                </a:effectLst>
+              </a14:hiddenEffects>
+            </a:ext>
+          </a:extLst>
+        </p:spPr>
+        <p:txBody>
+          <a:bodyPr vert="horz" wrap="none" lIns="91440" tIns="45720" rIns="91440" bIns="45720" numCol="1" anchor="ctr" anchorCtr="0" compatLnSpc="1">
+            <a:prstTxWarp prst="textNoShape">
+              <a:avLst/>
+            </a:prstTxWarp>
+            <a:spAutoFit/>
+          </a:bodyPr>
+          <a:lstStyle/>
+          <a:p>
+            <a:endParaRPr lang="fr-FR" sz="2800"/>
+          </a:p>
+        </p:txBody>
+      </p:sp>
+      <p:sp>
+        <p:nvSpPr>
+          <p:cNvPr id="4" name="Rectangle 4"/>
+          <p:cNvSpPr>
+            <a:spLocks noChangeArrowheads="1"/>
+          </p:cNvSpPr>
+          <p:nvPr/>
+        </p:nvSpPr>
+        <p:spPr bwMode="auto">
+          <a:xfrm>
+            <a:off x="193370" y="-61555"/>
+            <a:ext cx="11761940" cy="3447098"/>
+          </a:xfrm>
+          <a:prstGeom prst="rect">
+            <a:avLst/>
+          </a:prstGeom>
+          <a:noFill/>
+          <a:ln>
+            <a:noFill/>
+          </a:ln>
+          <a:effectLst/>
+          <a:extLst>
+            <a:ext uri="{909E8E84-426E-40DD-AFC4-6F175D3DCCD1}">
+              <a14:hiddenFill xmlns:a14="http://schemas.microsoft.com/office/drawing/2010/main">
+                <a:solidFill>
+                  <a:schemeClr val="accent1"/>
+                </a:solidFill>
+              </a14:hiddenFill>
+            </a:ext>
+            <a:ext uri="{91240B29-F687-4F45-9708-019B960494DF}">
+              <a14:hiddenLine xmlns:a14="http://schemas.microsoft.com/office/drawing/2010/main" w="9525">
+                <a:solidFill>
+                  <a:schemeClr val="tx1"/>
+                </a:solidFill>
+                <a:miter lim="800000"/>
+                <a:headEnd/>
+                <a:tailEnd/>
+              </a14:hiddenLine>
+            </a:ext>
+            <a:ext uri="{AF507438-7753-43E0-B8FC-AC1667EBCBE1}">
+              <a14:hiddenEffects xmlns:a14="http://schemas.microsoft.com/office/drawing/2010/main">
+                <a:effectLst>
+                  <a:outerShdw dist="35921" dir="2700000" algn="ctr" rotWithShape="0">
+                    <a:schemeClr val="bg2"/>
+                  </a:outerShdw>
+                </a:effectLst>
+              </a14:hiddenEffects>
+            </a:ext>
+          </a:extLst>
+        </p:spPr>
+        <p:txBody>
+          <a:bodyPr vert="horz" wrap="square" lIns="91440" tIns="45720" rIns="91440" bIns="45720" numCol="1" anchor="ctr" anchorCtr="0" compatLnSpc="1">
+            <a:prstTxWarp prst="textNoShape">
+              <a:avLst/>
+            </a:prstTxWarp>
+            <a:spAutoFit/>
+          </a:bodyPr>
+          <a:lstStyle/>
+          <a:p>
+            <a:pPr marL="514350" indent="-514350" algn="r" rtl="1">
+              <a:lnSpc>
+                <a:spcPct val="200000"/>
+              </a:lnSpc>
+              <a:buFont typeface="+mj-lt"/>
+              <a:buAutoNum type="arabicPeriod"/>
+            </a:pPr>
+            <a:r>
+              <a:rPr lang="ar-DZ" sz="3600" b="1" u="sng" dirty="0">
+                <a:solidFill>
+                  <a:srgbClr val="FF0000"/>
+                </a:solidFill>
+              </a:rPr>
+              <a:t>استخدام الأصوات : </a:t>
+            </a:r>
+            <a:endParaRPr lang="fr-FR" sz="3600" b="1" u="sng" dirty="0">
+              <a:solidFill>
+                <a:srgbClr val="FF0000"/>
+              </a:solidFill>
+            </a:endParaRPr>
+          </a:p>
+          <a:p>
+            <a:pPr algn="r" rtl="1"/>
+            <a:r>
+              <a:rPr lang="ar-DZ" sz="3600" dirty="0"/>
+              <a:t>يوفر </a:t>
+            </a:r>
+            <a:r>
+              <a:rPr lang="ar-DZ" sz="3600" dirty="0" err="1"/>
+              <a:t>سكراتش</a:t>
+            </a:r>
+            <a:r>
+              <a:rPr lang="ar-DZ" sz="3600" dirty="0"/>
+              <a:t> إمكانية إضافة الأصوات سواء مع الكائنات أو مع المنصة، مما يجعل المشاريع أكثر متعة وتفاعلية. يمكن استخدام هذه الأصوات لإضافة مؤثرات مثل صوت القفز أو الموسيقى الخلفية.</a:t>
+            </a:r>
+          </a:p>
+          <a:p>
+            <a:pPr marL="514350" indent="-514350" algn="r" rtl="1">
+              <a:buFont typeface="+mj-lt"/>
+              <a:buAutoNum type="arabicPeriod" startAt="2"/>
+            </a:pPr>
+            <a:endParaRPr lang="fr-FR" sz="3000" dirty="0">
+              <a:solidFill>
+                <a:srgbClr val="FF0000"/>
+              </a:solidFill>
+            </a:endParaRPr>
+          </a:p>
+        </p:txBody>
+      </p:sp>
+    </p:spTree>
+    <p:extLst>
+      <p:ext uri="{BB962C8B-B14F-4D97-AF65-F5344CB8AC3E}">
+        <p14:creationId xmlns:p14="http://schemas.microsoft.com/office/powerpoint/2010/main" val="816850053"/>
+      </p:ext>
+    </p:extLst>
+  </p:cSld>
+  <p:clrMapOvr>
+    <a:masterClrMapping/>
+  </p:clrMapOvr>
+  <p:transition spd="slow">
+    <p:push dir="u"/>
+  </p:transition>
   <p:timing>
     <p:tnLst>
       <p:par>
@@ -3996,7 +4506,7 @@
           <p:cNvPr id="11" name="Rectangle 8">
             <a:extLst>
               <a:ext uri="{FF2B5EF4-FFF2-40B4-BE49-F238E27FC236}">
-                <a16:creationId xmlns:a16="http://schemas.microsoft.com/office/drawing/2014/main" xmlns="" id="{31EC9893-997B-FAF1-44A7-86DC576C44E1}"/>
+                <a16:creationId xmlns="" xmlns:a16="http://schemas.microsoft.com/office/drawing/2014/main" id="{31EC9893-997B-FAF1-44A7-86DC576C44E1}"/>
               </a:ext>
             </a:extLst>
           </p:cNvPr>
@@ -4007,8 +4517,8 @@
         </p:nvSpPr>
         <p:spPr bwMode="auto">
           <a:xfrm>
-            <a:off x="87682" y="228563"/>
-            <a:ext cx="11862927" cy="4401205"/>
+            <a:off x="697622" y="977071"/>
+            <a:ext cx="11200090" cy="2217082"/>
           </a:xfrm>
           <a:prstGeom prst="rect">
             <a:avLst/>
@@ -4210,178 +4720,141 @@
             </a:lvl9pPr>
           </a:lstStyle>
           <a:p>
-            <a:pPr marL="457200" lvl="0" indent="-457200" algn="r" rtl="1">
+            <a:pPr marL="457200" indent="-457200" algn="r" rtl="1">
+              <a:lnSpc>
+                <a:spcPct val="150000"/>
+              </a:lnSpc>
               <a:buFont typeface="Wingdings" panose="05000000000000000000" pitchFamily="2" charset="2"/>
               <a:buChar char="Ø"/>
             </a:pPr>
             <a:r>
-              <a:rPr lang="ar-DZ" sz="2800" dirty="0"/>
-              <a:t>احتفظ بنفس الإعدادات على هذه التعليمة ثم لنضغط على التبويب </a:t>
-            </a:r>
-            <a:r>
-              <a:rPr lang="fr-FR" sz="2800" dirty="0"/>
-              <a:t>Diaporama</a:t>
-            </a:r>
-            <a:r>
-              <a:rPr lang="ar-DZ" sz="2800" dirty="0"/>
-              <a:t> ثم التعليمة </a:t>
-            </a:r>
-            <a:endParaRPr lang="ar-DZ" sz="2800" dirty="0" smtClean="0"/>
-          </a:p>
-          <a:p>
-            <a:pPr marL="457200" lvl="0" indent="-457200" algn="r" rtl="1">
+              <a:rPr lang="ar-DZ" sz="3200" dirty="0" smtClean="0"/>
+              <a:t>قم </a:t>
+            </a:r>
+            <a:r>
+              <a:rPr lang="ar-DZ" sz="3200" dirty="0"/>
+              <a:t>إلى الحاسوب محاولا إيجاد كيفية إضافة الأصوات في </a:t>
+            </a:r>
+            <a:r>
+              <a:rPr lang="ar-DZ" sz="3200" dirty="0" err="1"/>
+              <a:t>سكراتش</a:t>
+            </a:r>
+            <a:r>
+              <a:rPr lang="ar-DZ" sz="3200" dirty="0"/>
+              <a:t> </a:t>
+            </a:r>
+          </a:p>
+          <a:p>
+            <a:pPr marL="457200" indent="-457200" algn="r" rtl="1">
+              <a:lnSpc>
+                <a:spcPct val="150000"/>
+              </a:lnSpc>
               <a:buFont typeface="Wingdings" panose="05000000000000000000" pitchFamily="2" charset="2"/>
               <a:buChar char="Ø"/>
             </a:pPr>
             <a:r>
-              <a:rPr lang="fr-FR" sz="2800" dirty="0" smtClean="0"/>
-              <a:t>A </a:t>
-            </a:r>
-            <a:r>
-              <a:rPr lang="fr-FR" sz="2800" dirty="0"/>
-              <a:t>partir du début</a:t>
-            </a:r>
-            <a:r>
-              <a:rPr lang="ar-DZ" sz="2800" dirty="0"/>
-              <a:t> الموجودة أقصى اليسار.</a:t>
-            </a:r>
-            <a:endParaRPr lang="fr-FR" sz="2800" dirty="0"/>
-          </a:p>
-          <a:p>
-            <a:pPr marL="457200" lvl="0" indent="-457200" algn="r" rtl="1">
+              <a:rPr lang="ar-DZ" sz="3200" dirty="0" smtClean="0"/>
+              <a:t>كم </a:t>
+            </a:r>
+            <a:r>
+              <a:rPr lang="ar-DZ" sz="3200" dirty="0"/>
+              <a:t>عدد طرق إضافة الأصوات </a:t>
+            </a:r>
+            <a:endParaRPr lang="ar-DZ" sz="3200" dirty="0" smtClean="0"/>
+          </a:p>
+          <a:p>
+            <a:pPr marL="457200" indent="-457200" algn="r" rtl="1">
+              <a:lnSpc>
+                <a:spcPct val="150000"/>
+              </a:lnSpc>
               <a:buFont typeface="Wingdings" panose="05000000000000000000" pitchFamily="2" charset="2"/>
               <a:buChar char="Ø"/>
             </a:pPr>
             <a:r>
-              <a:rPr lang="ar-DZ" sz="2800" dirty="0"/>
-              <a:t>برأيكم لماذا تم عرض الشريحة الأولى فقط و توقف العرض ؟</a:t>
-            </a:r>
-            <a:endParaRPr lang="fr-FR" sz="2800" dirty="0"/>
-          </a:p>
-          <a:p>
-            <a:pPr marL="457200" lvl="0" indent="-457200" algn="r" rtl="1">
-              <a:buFont typeface="Wingdings" panose="05000000000000000000" pitchFamily="2" charset="2"/>
-              <a:buChar char="Ø"/>
+              <a:rPr lang="ar-DZ" sz="3200" dirty="0" smtClean="0"/>
+              <a:t>ما </a:t>
+            </a:r>
+            <a:r>
+              <a:rPr lang="ar-DZ" sz="3200" dirty="0"/>
+              <a:t>هي مراحلهما ؟ </a:t>
+            </a:r>
+          </a:p>
+        </p:txBody>
+      </p:sp>
+      <p:sp>
+        <p:nvSpPr>
+          <p:cNvPr id="12" name="ZoneTexte 11">
+            <a:extLst>
+              <a:ext uri="{FF2B5EF4-FFF2-40B4-BE49-F238E27FC236}">
+                <a16:creationId xmlns="" xmlns:a16="http://schemas.microsoft.com/office/drawing/2014/main" id="{0B494AC6-9B2E-422F-B16A-015D6B0BA580}"/>
+              </a:ext>
+            </a:extLst>
+          </p:cNvPr>
+          <p:cNvSpPr txBox="1"/>
+          <p:nvPr/>
+        </p:nvSpPr>
+        <p:spPr>
+          <a:xfrm>
+            <a:off x="882199" y="300625"/>
+            <a:ext cx="11412983" cy="655885"/>
+          </a:xfrm>
+          <a:prstGeom prst="rect">
+            <a:avLst/>
+          </a:prstGeom>
+          <a:noFill/>
+        </p:spPr>
+        <p:txBody>
+          <a:bodyPr wrap="square">
+            <a:spAutoFit/>
+          </a:bodyPr>
+          <a:lstStyle/>
+          <a:p>
+            <a:pPr marL="457200" algn="r" rtl="1">
+              <a:lnSpc>
+                <a:spcPct val="107000"/>
+              </a:lnSpc>
+              <a:spcAft>
+                <a:spcPts val="800"/>
+              </a:spcAft>
+              <a:tabLst>
+                <a:tab pos="2376805" algn="l"/>
+              </a:tabLst>
             </a:pPr>
             <a:r>
-              <a:rPr lang="ar-DZ" sz="2800" dirty="0"/>
-              <a:t>أين يجب علي الضغط لعرض الشريحة الموالية ؟</a:t>
-            </a:r>
-            <a:endParaRPr lang="fr-FR" sz="2800" dirty="0"/>
-          </a:p>
-          <a:p>
-            <a:pPr marL="457200" lvl="0" indent="-457200" algn="r" rtl="1">
-              <a:buFont typeface="Wingdings" panose="05000000000000000000" pitchFamily="2" charset="2"/>
-              <a:buChar char="Ø"/>
-            </a:pPr>
-            <a:r>
-              <a:rPr lang="ar-DZ" sz="2800" dirty="0"/>
-              <a:t>ما دور إذن الخيار </a:t>
-            </a:r>
-            <a:r>
-              <a:rPr lang="fr-FR" sz="2800" dirty="0"/>
-              <a:t>Manuellement</a:t>
-            </a:r>
-            <a:r>
-              <a:rPr lang="ar-DZ" sz="2800" dirty="0"/>
-              <a:t> ؟ </a:t>
-            </a:r>
-            <a:endParaRPr lang="fr-FR" sz="2800" dirty="0"/>
-          </a:p>
-          <a:p>
-            <a:pPr marL="457200" lvl="0" indent="-457200" algn="r" rtl="1">
-              <a:buFont typeface="Wingdings" panose="05000000000000000000" pitchFamily="2" charset="2"/>
-              <a:buChar char="Ø"/>
-            </a:pPr>
-            <a:r>
-              <a:rPr lang="ar-DZ" sz="2800" dirty="0"/>
-              <a:t>لنضغط على المفتاح </a:t>
-            </a:r>
-            <a:r>
-              <a:rPr lang="fr-FR" sz="2800" dirty="0" err="1"/>
-              <a:t>Echap</a:t>
-            </a:r>
-            <a:r>
-              <a:rPr lang="ar-DZ" sz="2800" dirty="0"/>
-              <a:t> للخروج من هذا الوضع ثم نؤشر على الخيار </a:t>
-            </a:r>
-            <a:r>
-              <a:rPr lang="fr-FR" sz="2800" dirty="0" err="1"/>
-              <a:t>Aprés</a:t>
-            </a:r>
-            <a:r>
-              <a:rPr lang="ar-DZ" sz="2800" dirty="0"/>
-              <a:t>  و نختار </a:t>
-            </a:r>
-            <a:r>
-              <a:rPr lang="fr-FR" sz="2800" dirty="0"/>
-              <a:t>00:02,00</a:t>
-            </a:r>
-            <a:r>
-              <a:rPr lang="ar-DZ" sz="2800" dirty="0"/>
-              <a:t> مثلا</a:t>
-            </a:r>
-            <a:endParaRPr lang="fr-FR" sz="2800" dirty="0"/>
-          </a:p>
-          <a:p>
-            <a:pPr marL="457200" lvl="0" indent="-457200" algn="r" rtl="1">
-              <a:buFont typeface="Wingdings" panose="05000000000000000000" pitchFamily="2" charset="2"/>
-              <a:buChar char="Ø"/>
-            </a:pPr>
-            <a:r>
-              <a:rPr lang="ar-DZ" sz="2800" dirty="0"/>
-              <a:t>نعيد الضغط على التبويب </a:t>
-            </a:r>
-            <a:r>
-              <a:rPr lang="fr-FR" sz="2800" dirty="0"/>
-              <a:t>Diaporama</a:t>
-            </a:r>
-            <a:r>
-              <a:rPr lang="ar-DZ" sz="2800" dirty="0"/>
-              <a:t> ثم التعليمة </a:t>
-            </a:r>
-            <a:r>
-              <a:rPr lang="fr-FR" sz="2800" dirty="0"/>
-              <a:t>A partir du début </a:t>
-            </a:r>
-          </a:p>
-          <a:p>
-            <a:pPr marL="457200" lvl="0" indent="-457200" algn="r" rtl="1">
-              <a:buFont typeface="Wingdings" panose="05000000000000000000" pitchFamily="2" charset="2"/>
-              <a:buChar char="Ø"/>
-            </a:pPr>
-            <a:r>
-              <a:rPr lang="ar-DZ" sz="2800" dirty="0"/>
-              <a:t>ما التغيير الذي طرأ ؟  ما دور الخيار </a:t>
-            </a:r>
-            <a:r>
-              <a:rPr lang="fr-FR" sz="2800" dirty="0" err="1"/>
-              <a:t>Aprés</a:t>
-            </a:r>
-            <a:r>
-              <a:rPr lang="ar-DZ" sz="2800" dirty="0"/>
-              <a:t> ؟</a:t>
-            </a:r>
-            <a:endParaRPr lang="fr-FR" sz="2800" dirty="0"/>
-          </a:p>
-          <a:p>
-            <a:pPr marL="457200" indent="-457200" algn="r" rtl="1">
-              <a:buFont typeface="Wingdings" panose="05000000000000000000" pitchFamily="2" charset="2"/>
-              <a:buChar char="Ø"/>
-            </a:pPr>
-            <a:r>
-              <a:rPr lang="ar-DZ" sz="2800" dirty="0"/>
-              <a:t>ما دور التبويب </a:t>
-            </a:r>
-            <a:r>
-              <a:rPr lang="fr-FR" sz="2800" dirty="0"/>
-              <a:t>Diaporama</a:t>
-            </a:r>
-            <a:r>
-              <a:rPr lang="ar-DZ" sz="2800" dirty="0"/>
-              <a:t> إذن ؟</a:t>
+              <a:rPr lang="ar-DZ" sz="3600" b="1" u="sng" dirty="0" smtClean="0">
+                <a:solidFill>
+                  <a:srgbClr val="FF0000"/>
+                </a:solidFill>
+                <a:latin typeface="Calibri" panose="020F0502020204030204" pitchFamily="34" charset="0"/>
+                <a:ea typeface="Calibri" panose="020F0502020204030204" pitchFamily="34" charset="0"/>
+                <a:cs typeface="Times New Roman" panose="02020603050405020304" pitchFamily="18" charset="0"/>
+              </a:rPr>
+              <a:t>نشاط </a:t>
+            </a:r>
+            <a:r>
+              <a:rPr lang="ar-DZ" sz="3600" b="1" u="sng" dirty="0" smtClean="0">
+                <a:solidFill>
+                  <a:srgbClr val="FF0000"/>
+                </a:solidFill>
+                <a:latin typeface="Calibri" panose="020F0502020204030204" pitchFamily="34" charset="0"/>
+                <a:ea typeface="Calibri" panose="020F0502020204030204" pitchFamily="34" charset="0"/>
+                <a:cs typeface="Times New Roman" panose="02020603050405020304" pitchFamily="18" charset="0"/>
+              </a:rPr>
+              <a:t>02 </a:t>
+            </a:r>
+            <a:r>
+              <a:rPr lang="ar-DZ" sz="3600" b="1" u="sng" dirty="0" smtClean="0">
+                <a:solidFill>
+                  <a:srgbClr val="FF0000"/>
+                </a:solidFill>
+                <a:latin typeface="Calibri" panose="020F0502020204030204" pitchFamily="34" charset="0"/>
+                <a:ea typeface="Calibri" panose="020F0502020204030204" pitchFamily="34" charset="0"/>
+                <a:cs typeface="Times New Roman" panose="02020603050405020304" pitchFamily="18" charset="0"/>
+              </a:rPr>
+              <a:t>:</a:t>
             </a:r>
             <a:endParaRPr lang="fr-FR" sz="2000" dirty="0">
+              <a:effectLst/>
               <a:latin typeface="Calibri" panose="020F0502020204030204" pitchFamily="34" charset="0"/>
               <a:ea typeface="Calibri" panose="020F0502020204030204" pitchFamily="34" charset="0"/>
               <a:cs typeface="Arial" panose="020B0604020202020204" pitchFamily="34" charset="0"/>
@@ -4394,7 +4867,7 @@
           <p:cNvPr id="13" name="Rectangle 9">
             <a:extLst>
               <a:ext uri="{FF2B5EF4-FFF2-40B4-BE49-F238E27FC236}">
-                <a16:creationId xmlns:a16="http://schemas.microsoft.com/office/drawing/2014/main" xmlns="" id="{894EDA96-9226-5939-95FB-4A21ACC79E4A}"/>
+                <a16:creationId xmlns="" xmlns:a16="http://schemas.microsoft.com/office/drawing/2014/main" id="{894EDA96-9226-5939-95FB-4A21ACC79E4A}"/>
               </a:ext>
             </a:extLst>
           </p:cNvPr>
@@ -4450,7 +4923,7 @@
     </p:spTree>
     <p:extLst>
       <p:ext uri="{BB962C8B-B14F-4D97-AF65-F5344CB8AC3E}">
-        <p14:creationId xmlns:p14="http://schemas.microsoft.com/office/powerpoint/2010/main" val="509088624"/>
+        <p14:creationId xmlns:p14="http://schemas.microsoft.com/office/powerpoint/2010/main" val="1800674468"/>
       </p:ext>
     </p:extLst>
   </p:cSld>
@@ -4676,7 +5149,7 @@
         </p:nvSpPr>
         <p:spPr bwMode="auto">
           <a:xfrm>
-            <a:off x="200416" y="-230832"/>
+            <a:off x="250520" y="35253"/>
             <a:ext cx="11761940" cy="7017306"/>
           </a:xfrm>
           <a:prstGeom prst="rect">
@@ -4726,73 +5199,48 @@
           <a:lstStyle/>
           <a:p>
             <a:pPr marL="514350" indent="-514350" algn="r" rtl="1">
-              <a:lnSpc>
-                <a:spcPct val="200000"/>
-              </a:lnSpc>
               <a:buFont typeface="+mj-lt"/>
-              <a:buAutoNum type="arabicPeriod"/>
+              <a:buAutoNum type="arabicPeriod" startAt="2"/>
             </a:pPr>
             <a:r>
-              <a:rPr lang="ar-DZ" sz="3000" b="1" u="sng" dirty="0" err="1" smtClean="0">
+              <a:rPr lang="ar-DZ" sz="3600" b="1" u="sng" dirty="0" smtClean="0">
                 <a:solidFill>
                   <a:srgbClr val="FF0000"/>
                 </a:solidFill>
+                <a:cs typeface="+mj-cs"/>
               </a:rPr>
-              <a:t>الإنتقال</a:t>
-            </a:r>
-            <a:r>
-              <a:rPr lang="ar-DZ" sz="3000" b="1" u="sng" dirty="0" smtClean="0">
+              <a:t>إضافة الأصوات</a:t>
+            </a:r>
+            <a:r>
+              <a:rPr lang="fr-FR" sz="3600" b="1" u="sng" dirty="0" smtClean="0">
                 <a:solidFill>
                   <a:srgbClr val="FF0000"/>
                 </a:solidFill>
+                <a:cs typeface="+mj-cs"/>
               </a:rPr>
               <a:t> </a:t>
             </a:r>
             <a:r>
-              <a:rPr lang="ar-DZ" sz="3000" b="1" u="sng" dirty="0">
+              <a:rPr lang="ar-DZ" sz="3600" b="1" u="sng" dirty="0" smtClean="0">
                 <a:solidFill>
                   <a:srgbClr val="FF0000"/>
                 </a:solidFill>
+                <a:cs typeface="+mj-cs"/>
               </a:rPr>
-              <a:t>بين الشرائح : </a:t>
-            </a:r>
-            <a:endParaRPr lang="fr-FR" sz="3000" u="sng" dirty="0">
-              <a:solidFill>
-                <a:srgbClr val="FF0000"/>
-              </a:solidFill>
-            </a:endParaRPr>
-          </a:p>
-          <a:p>
-            <a:pPr algn="r" rtl="1"/>
-            <a:r>
-              <a:rPr lang="ar-DZ" sz="3000" dirty="0"/>
-              <a:t>يمكن إضافة تأثيرات </a:t>
-            </a:r>
-            <a:r>
-              <a:rPr lang="ar-DZ" sz="3000" dirty="0" err="1"/>
-              <a:t>الإنتقال</a:t>
-            </a:r>
-            <a:r>
-              <a:rPr lang="ar-DZ" sz="3000" dirty="0"/>
-              <a:t> من شريحة لأخرى و ضبطها في </a:t>
-            </a:r>
-            <a:r>
-              <a:rPr lang="ar-DZ" sz="3000" dirty="0" smtClean="0"/>
-              <a:t>التبويب</a:t>
-            </a:r>
-            <a:r>
-              <a:rPr lang="fr-FR" sz="3000" dirty="0" smtClean="0"/>
-              <a:t>Transitions </a:t>
-            </a:r>
-            <a:r>
-              <a:rPr lang="ar-DZ" sz="3000" dirty="0" smtClean="0"/>
-              <a:t> بحيث </a:t>
-            </a:r>
-            <a:r>
-              <a:rPr lang="ar-DZ" sz="3000" dirty="0"/>
               <a:t>:</a:t>
             </a:r>
-            <a:endParaRPr lang="fr-FR" sz="3000" dirty="0"/>
+          </a:p>
+          <a:p>
+            <a:pPr lvl="1" algn="r" rtl="1"/>
+            <a:r>
+              <a:rPr lang="ar-DZ" sz="3200" b="1" u="sng" dirty="0">
+                <a:solidFill>
+                  <a:srgbClr val="00B050"/>
+                </a:solidFill>
+                <a:cs typeface="+mj-cs"/>
+              </a:rPr>
+              <a:t>أ‌. إضافة صوت من ملف : </a:t>
+            </a:r>
           </a:p>
           <a:p>
             <a:pPr marL="914400" lvl="1" indent="-457200" algn="r" rtl="1">
@@ -4800,42 +5248,17 @@
               <a:buChar char="•"/>
             </a:pPr>
             <a:r>
-              <a:rPr lang="ar-DZ" sz="3000" dirty="0" smtClean="0">
-                <a:solidFill>
-                  <a:srgbClr val="00B050"/>
-                </a:solidFill>
+              <a:rPr lang="ar-DZ" sz="3200" dirty="0" smtClean="0">
+                <a:cs typeface="+mj-cs"/>
               </a:rPr>
-              <a:t>المجموعة</a:t>
-            </a:r>
-            <a:r>
-              <a:rPr lang="fr-FR" sz="3000" dirty="0" smtClean="0">
-                <a:solidFill>
-                  <a:srgbClr val="00B050"/>
-                </a:solidFill>
+              <a:t>ننقر </a:t>
+            </a:r>
+            <a:r>
+              <a:rPr lang="ar-DZ" sz="3200" dirty="0">
+                <a:cs typeface="+mj-cs"/>
               </a:rPr>
-              <a:t> Transition </a:t>
-            </a:r>
-            <a:r>
-              <a:rPr lang="fr-FR" sz="3000" dirty="0">
-                <a:solidFill>
-                  <a:srgbClr val="00B050"/>
-                </a:solidFill>
-              </a:rPr>
-              <a:t>vers cette diapositive </a:t>
-            </a:r>
-            <a:r>
-              <a:rPr lang="ar-DZ" sz="3000" dirty="0">
-                <a:solidFill>
-                  <a:srgbClr val="00B050"/>
-                </a:solidFill>
-              </a:rPr>
-              <a:t>: </a:t>
-            </a:r>
-            <a:r>
-              <a:rPr lang="ar-DZ" sz="3000" dirty="0"/>
-              <a:t>لضبط التأثير البصري الذي يسبق ظهور هذه الشريحة</a:t>
-            </a:r>
-            <a:endParaRPr lang="fr-FR" sz="3000" dirty="0"/>
+              <a:t>على تبويب "الأصوات" من منطقة التحكم </a:t>
+            </a:r>
           </a:p>
           <a:p>
             <a:pPr marL="914400" lvl="1" indent="-457200" algn="r" rtl="1">
@@ -4843,26 +5266,17 @@
               <a:buChar char="•"/>
             </a:pPr>
             <a:r>
-              <a:rPr lang="fr-FR" sz="3000" dirty="0">
-                <a:solidFill>
-                  <a:srgbClr val="00B050"/>
-                </a:solidFill>
+              <a:rPr lang="ar-DZ" sz="3200" dirty="0" smtClean="0">
+                <a:cs typeface="+mj-cs"/>
               </a:rPr>
-              <a:t>Son</a:t>
-            </a:r>
-            <a:r>
-              <a:rPr lang="ar-DZ" sz="3000" dirty="0">
-                <a:solidFill>
-                  <a:srgbClr val="00B050"/>
-                </a:solidFill>
+              <a:t>نختار </a:t>
+            </a:r>
+            <a:r>
+              <a:rPr lang="ar-DZ" sz="3200" dirty="0">
+                <a:cs typeface="+mj-cs"/>
               </a:rPr>
-              <a:t> : </a:t>
-            </a:r>
-            <a:r>
-              <a:rPr lang="ar-DZ" sz="3000" dirty="0"/>
-              <a:t>ضبط الصوت المصاحب لظهور الشريحة</a:t>
-            </a:r>
-            <a:endParaRPr lang="fr-FR" sz="3000" dirty="0"/>
+              <a:t>التعليمة "تحميل صوت" </a:t>
+            </a:r>
           </a:p>
           <a:p>
             <a:pPr marL="914400" lvl="1" indent="-457200" algn="r" rtl="1">
@@ -4870,26 +5284,20 @@
               <a:buChar char="•"/>
             </a:pPr>
             <a:r>
-              <a:rPr lang="fr-FR" sz="3000" dirty="0">
-                <a:solidFill>
-                  <a:srgbClr val="00B050"/>
-                </a:solidFill>
+              <a:rPr lang="ar-DZ" sz="3200" dirty="0" smtClean="0">
+                <a:cs typeface="+mj-cs"/>
               </a:rPr>
-              <a:t>Durée</a:t>
-            </a:r>
-            <a:r>
-              <a:rPr lang="ar-DZ" sz="3000" dirty="0">
-                <a:solidFill>
-                  <a:srgbClr val="00B050"/>
-                </a:solidFill>
+              <a:t>يظهر </a:t>
+            </a:r>
+            <a:r>
+              <a:rPr lang="ar-DZ" sz="3200" dirty="0">
+                <a:cs typeface="+mj-cs"/>
               </a:rPr>
-              <a:t> : </a:t>
-            </a:r>
-            <a:r>
-              <a:rPr lang="ar-DZ" sz="3000" dirty="0"/>
-              <a:t>ضبط الزمن الذي تستغرقه الشريحة للظهور</a:t>
-            </a:r>
-            <a:endParaRPr lang="fr-FR" sz="3000" dirty="0"/>
+              <a:t>إطار فيه مجموعة من المجلدات نختار منها الصوت المناسب </a:t>
+            </a:r>
+            <a:endParaRPr lang="ar-DZ" sz="3200" dirty="0" smtClean="0">
+              <a:cs typeface="+mj-cs"/>
+            </a:endParaRPr>
           </a:p>
           <a:p>
             <a:pPr marL="914400" lvl="1" indent="-457200" algn="r" rtl="1">
@@ -4897,34 +5305,44 @@
               <a:buChar char="•"/>
             </a:pPr>
             <a:r>
-              <a:rPr lang="fr-FR" sz="3000" dirty="0">
+              <a:rPr lang="ar-DZ" sz="3200" dirty="0" smtClean="0">
+                <a:cs typeface="+mj-cs"/>
+              </a:rPr>
+              <a:t>ننقر على </a:t>
+            </a:r>
+            <a:r>
+              <a:rPr lang="fr-FR" sz="3200" dirty="0" smtClean="0">
+                <a:cs typeface="+mj-cs"/>
+              </a:rPr>
+              <a:t>Ouvrir</a:t>
+            </a:r>
+            <a:endParaRPr lang="ar-DZ" sz="3200" dirty="0" smtClean="0">
+              <a:cs typeface="+mj-cs"/>
+            </a:endParaRPr>
+          </a:p>
+          <a:p>
+            <a:pPr lvl="1" algn="r" rtl="1"/>
+            <a:r>
+              <a:rPr lang="fr-FR" sz="3200" dirty="0" smtClean="0">
+                <a:cs typeface="+mj-cs"/>
+              </a:rPr>
+              <a:t> </a:t>
+            </a:r>
+            <a:endParaRPr lang="fr-FR" sz="3200" dirty="0">
+              <a:cs typeface="+mj-cs"/>
+            </a:endParaRPr>
+          </a:p>
+          <a:p>
+            <a:pPr lvl="1" algn="r" rtl="1"/>
+            <a:r>
+              <a:rPr lang="ar-DZ" sz="3200" b="1" u="sng" dirty="0">
                 <a:solidFill>
                   <a:srgbClr val="00B050"/>
                 </a:solidFill>
+                <a:cs typeface="+mj-cs"/>
               </a:rPr>
-              <a:t>Manuellement</a:t>
-            </a:r>
-            <a:r>
-              <a:rPr lang="ar-DZ" sz="3000" dirty="0">
-                <a:solidFill>
-                  <a:srgbClr val="00B050"/>
-                </a:solidFill>
-              </a:rPr>
-              <a:t> :</a:t>
-            </a:r>
-            <a:r>
-              <a:rPr lang="ar-DZ" sz="3000" dirty="0"/>
-              <a:t> </a:t>
-            </a:r>
-            <a:r>
-              <a:rPr lang="ar-DZ" sz="3000" dirty="0" err="1"/>
-              <a:t>الإنتقال</a:t>
-            </a:r>
-            <a:r>
-              <a:rPr lang="ar-DZ" sz="3000" dirty="0"/>
-              <a:t> إلى الشريحة الموالية يدويا (بالضغط على أسهم لوحة المفاتيح)</a:t>
-            </a:r>
-            <a:endParaRPr lang="fr-FR" sz="3000" dirty="0"/>
+              <a:t>ب‌. إضافة تسجيل صوتي : </a:t>
+            </a:r>
           </a:p>
           <a:p>
             <a:pPr marL="914400" lvl="1" indent="-457200" algn="r" rtl="1">
@@ -4932,130 +5350,107 @@
               <a:buChar char="•"/>
             </a:pPr>
             <a:r>
-              <a:rPr lang="fr-FR" sz="3000" dirty="0" err="1">
-                <a:solidFill>
-                  <a:srgbClr val="00B050"/>
-                </a:solidFill>
+              <a:rPr lang="ar-DZ" sz="3200" dirty="0" smtClean="0">
+                <a:cs typeface="+mj-cs"/>
               </a:rPr>
-              <a:t>Aprés</a:t>
-            </a:r>
-            <a:r>
-              <a:rPr lang="ar-DZ" sz="3000" dirty="0">
-                <a:solidFill>
-                  <a:srgbClr val="00B050"/>
-                </a:solidFill>
+              <a:t>ننقر </a:t>
+            </a:r>
+            <a:r>
+              <a:rPr lang="ar-DZ" sz="3200" dirty="0">
+                <a:cs typeface="+mj-cs"/>
               </a:rPr>
-              <a:t> : </a:t>
-            </a:r>
-            <a:r>
-              <a:rPr lang="ar-DZ" sz="3000" dirty="0" err="1"/>
-              <a:t>الإنتقال</a:t>
-            </a:r>
-            <a:r>
-              <a:rPr lang="ar-DZ" sz="3000" dirty="0"/>
-              <a:t> إلى الشريحة الموالية تلقائيا بعد مرور مدة زمنية يحددها المستخدم.</a:t>
-            </a:r>
-            <a:endParaRPr lang="fr-FR" sz="3000" dirty="0"/>
-          </a:p>
-          <a:p>
-            <a:pPr algn="r" rtl="1"/>
-            <a:r>
-              <a:rPr lang="ar-DZ" sz="3000" dirty="0"/>
-              <a:t> </a:t>
-            </a:r>
-            <a:endParaRPr lang="fr-FR" sz="3000" dirty="0"/>
-          </a:p>
-          <a:p>
-            <a:pPr algn="r" rtl="1"/>
-            <a:r>
-              <a:rPr lang="ar-DZ" sz="3000" b="1" u="sng" dirty="0" smtClean="0">
-                <a:solidFill>
-                  <a:srgbClr val="FF0000"/>
-                </a:solidFill>
+              <a:t>على تبويب "الأصوات" من منطقة التحكم </a:t>
+            </a:r>
+          </a:p>
+          <a:p>
+            <a:pPr marL="914400" lvl="1" indent="-457200" algn="r" rtl="1">
+              <a:buFont typeface="Arial" panose="020B0604020202020204" pitchFamily="34" charset="0"/>
+              <a:buChar char="•"/>
+            </a:pPr>
+            <a:r>
+              <a:rPr lang="ar-DZ" sz="3200" dirty="0" smtClean="0">
+                <a:cs typeface="+mj-cs"/>
               </a:rPr>
-              <a:t>ملاحظات</a:t>
-            </a:r>
-            <a:r>
-              <a:rPr lang="fr-FR" sz="3000" b="1" u="sng" dirty="0" smtClean="0">
-                <a:solidFill>
-                  <a:srgbClr val="FF0000"/>
-                </a:solidFill>
+              <a:t>نختار </a:t>
+            </a:r>
+            <a:r>
+              <a:rPr lang="ar-DZ" sz="3200" dirty="0">
+                <a:cs typeface="+mj-cs"/>
               </a:rPr>
-              <a:t> </a:t>
-            </a:r>
-            <a:r>
-              <a:rPr lang="ar-DZ" sz="3000" b="1" u="sng" dirty="0" smtClean="0">
-                <a:solidFill>
-                  <a:srgbClr val="FF0000"/>
-                </a:solidFill>
+              <a:t>التعليمة "تسجيل" </a:t>
+            </a:r>
+          </a:p>
+          <a:p>
+            <a:pPr marL="914400" lvl="1" indent="-457200" algn="r" rtl="1">
+              <a:buFont typeface="Arial" panose="020B0604020202020204" pitchFamily="34" charset="0"/>
+              <a:buChar char="•"/>
+            </a:pPr>
+            <a:r>
+              <a:rPr lang="ar-DZ" sz="3200" dirty="0" smtClean="0">
+                <a:cs typeface="+mj-cs"/>
               </a:rPr>
-              <a:t>:</a:t>
-            </a:r>
+              <a:t>يظهر </a:t>
+            </a:r>
+            <a:r>
+              <a:rPr lang="ar-DZ" sz="3200" dirty="0">
+                <a:cs typeface="+mj-cs"/>
+              </a:rPr>
+              <a:t>إطار، نضغط على الدائرة لبدء التسجيل </a:t>
+            </a:r>
+          </a:p>
+          <a:p>
+            <a:pPr marL="914400" lvl="1" indent="-457200" algn="r" rtl="1">
+              <a:buFont typeface="Arial" panose="020B0604020202020204" pitchFamily="34" charset="0"/>
+              <a:buChar char="•"/>
+            </a:pPr>
+            <a:r>
+              <a:rPr lang="ar-DZ" sz="3200" dirty="0" smtClean="0">
+                <a:cs typeface="+mj-cs"/>
+              </a:rPr>
+              <a:t>عند </a:t>
+            </a:r>
+            <a:r>
+              <a:rPr lang="ar-DZ" sz="3200" dirty="0">
+                <a:cs typeface="+mj-cs"/>
+              </a:rPr>
+              <a:t>الانتهاء من التسجيل نضغط على المربع </a:t>
+            </a:r>
+          </a:p>
+          <a:p>
+            <a:pPr marL="914400" lvl="1" indent="-457200" algn="r" rtl="1">
+              <a:buFont typeface="Arial" panose="020B0604020202020204" pitchFamily="34" charset="0"/>
+              <a:buChar char="•"/>
+            </a:pPr>
+            <a:r>
+              <a:rPr lang="ar-DZ" sz="3200" dirty="0" smtClean="0">
+                <a:cs typeface="+mj-cs"/>
+              </a:rPr>
+              <a:t>ثم </a:t>
+            </a:r>
+            <a:r>
+              <a:rPr lang="ar-DZ" sz="3200" dirty="0">
+                <a:cs typeface="+mj-cs"/>
+              </a:rPr>
+              <a:t>ننقر على "حفظ"</a:t>
+            </a:r>
+          </a:p>
+          <a:p>
+            <a:pPr marL="514350" indent="-514350" algn="r" rtl="1">
+              <a:buFont typeface="+mj-lt"/>
+              <a:buAutoNum type="arabicPeriod" startAt="2"/>
+            </a:pPr>
             <a:endParaRPr lang="fr-FR" sz="3000" dirty="0">
               <a:solidFill>
                 <a:srgbClr val="FF0000"/>
               </a:solidFill>
             </a:endParaRPr>
           </a:p>
-          <a:p>
-            <a:pPr marL="457200" lvl="0" indent="-457200" algn="r" rtl="1">
-              <a:buFont typeface="Arial" panose="020B0604020202020204" pitchFamily="34" charset="0"/>
-              <a:buChar char="•"/>
-            </a:pPr>
-            <a:r>
-              <a:rPr lang="ar-DZ" sz="3000" dirty="0"/>
-              <a:t>لتشغيل الوضع "العرض الكامل" ننقر على التبويب </a:t>
-            </a:r>
-            <a:r>
-              <a:rPr lang="fr-FR" sz="3000" dirty="0"/>
-              <a:t>Diaporama</a:t>
-            </a:r>
-            <a:r>
-              <a:rPr lang="ar-DZ" sz="3000" dirty="0"/>
-              <a:t> ثم </a:t>
-            </a:r>
-            <a:r>
-              <a:rPr lang="ar-DZ" sz="3000" dirty="0" smtClean="0"/>
-              <a:t>نختار</a:t>
-            </a:r>
-          </a:p>
-          <a:p>
-            <a:pPr lvl="1" algn="r" rtl="1"/>
-            <a:r>
-              <a:rPr lang="fr-FR" sz="3000" dirty="0" smtClean="0"/>
-              <a:t>A </a:t>
-            </a:r>
-            <a:r>
-              <a:rPr lang="fr-FR" sz="3000" dirty="0"/>
-              <a:t>partir du </a:t>
-            </a:r>
-            <a:r>
-              <a:rPr lang="fr-FR" sz="3000" dirty="0" smtClean="0"/>
-              <a:t>début</a:t>
-            </a:r>
-            <a:endParaRPr lang="fr-FR" sz="3000" dirty="0"/>
-          </a:p>
-          <a:p>
-            <a:pPr marL="457200" lvl="0" indent="-457200" algn="r" rtl="1">
-              <a:buFont typeface="Arial" panose="020B0604020202020204" pitchFamily="34" charset="0"/>
-              <a:buChar char="•"/>
-            </a:pPr>
-            <a:r>
-              <a:rPr lang="ar-DZ" sz="3000" dirty="0"/>
-              <a:t>للخروج من الوضع "العرض الكامل" نضغط على المفتاح </a:t>
-            </a:r>
-            <a:r>
-              <a:rPr lang="fr-FR" sz="3000" dirty="0" err="1"/>
-              <a:t>Echap</a:t>
-            </a:r>
-            <a:endParaRPr lang="fr-FR" sz="3000" dirty="0"/>
-          </a:p>
         </p:txBody>
       </p:sp>
     </p:spTree>
     <p:extLst>
       <p:ext uri="{BB962C8B-B14F-4D97-AF65-F5344CB8AC3E}">
-        <p14:creationId xmlns:p14="http://schemas.microsoft.com/office/powerpoint/2010/main" val="816850053"/>
+        <p14:creationId xmlns:p14="http://schemas.microsoft.com/office/powerpoint/2010/main" val="452254097"/>
       </p:ext>
     </p:extLst>
   </p:cSld>
@@ -5315,8 +5710,8 @@
         </p:nvSpPr>
         <p:spPr>
           <a:xfrm>
-            <a:off x="188686" y="918711"/>
-            <a:ext cx="11698515" cy="4652236"/>
+            <a:off x="0" y="918711"/>
+            <a:ext cx="11887201" cy="5078313"/>
           </a:xfrm>
           <a:prstGeom prst="rect">
             <a:avLst/>
@@ -5329,256 +5724,168 @@
           </a:bodyPr>
           <a:lstStyle/>
           <a:p>
-            <a:pPr lvl="0" algn="r" rtl="1">
-              <a:lnSpc>
-                <a:spcPct val="107000"/>
-              </a:lnSpc>
-              <a:spcAft>
-                <a:spcPts val="800"/>
-              </a:spcAft>
+            <a:pPr marL="742950" indent="-742950" algn="r" rtl="1">
+              <a:buFont typeface="+mj-lt"/>
+              <a:buAutoNum type="arabicPeriod"/>
             </a:pPr>
             <a:r>
-              <a:rPr lang="ar-DZ" sz="3600" dirty="0">
-                <a:latin typeface="Calibri" panose="020F0502020204030204" pitchFamily="34" charset="0"/>
-                <a:ea typeface="Calibri" panose="020F0502020204030204" pitchFamily="34" charset="0"/>
-                <a:cs typeface="+mj-cs"/>
-              </a:rPr>
-              <a:t>1.	افتح ملف </a:t>
-            </a:r>
-            <a:r>
-              <a:rPr lang="fr-FR" sz="3600" b="1" dirty="0" smtClean="0">
-                <a:latin typeface="Calibri" panose="020F0502020204030204" pitchFamily="34" charset="0"/>
-                <a:ea typeface="Calibri" panose="020F0502020204030204" pitchFamily="34" charset="0"/>
-                <a:cs typeface="+mj-cs"/>
-              </a:rPr>
-              <a:t>.</a:t>
-            </a:r>
-            <a:r>
-              <a:rPr lang="fr-FR" sz="3600" b="1" dirty="0" err="1" smtClean="0">
-                <a:latin typeface="Calibri" panose="020F0502020204030204" pitchFamily="34" charset="0"/>
-                <a:ea typeface="Calibri" panose="020F0502020204030204" pitchFamily="34" charset="0"/>
-                <a:cs typeface="+mj-cs"/>
-              </a:rPr>
-              <a:t>pptx</a:t>
-            </a:r>
-            <a:r>
-              <a:rPr lang="ar-DZ" sz="3600" b="1" dirty="0">
-                <a:latin typeface="Calibri" panose="020F0502020204030204" pitchFamily="34" charset="0"/>
-                <a:ea typeface="Calibri" panose="020F0502020204030204" pitchFamily="34" charset="0"/>
-                <a:cs typeface="+mj-cs"/>
-              </a:rPr>
-              <a:t>حيوانات الغابة </a:t>
-            </a:r>
-            <a:r>
-              <a:rPr lang="ar-DZ" sz="3600" dirty="0">
-                <a:latin typeface="Calibri" panose="020F0502020204030204" pitchFamily="34" charset="0"/>
-                <a:ea typeface="Calibri" panose="020F0502020204030204" pitchFamily="34" charset="0"/>
-                <a:cs typeface="+mj-cs"/>
-              </a:rPr>
-              <a:t>المتواجد على سطح المكتب</a:t>
-            </a:r>
-          </a:p>
-          <a:p>
-            <a:pPr lvl="0" algn="r" rtl="1">
-              <a:lnSpc>
-                <a:spcPct val="107000"/>
-              </a:lnSpc>
-              <a:spcAft>
-                <a:spcPts val="800"/>
-              </a:spcAft>
+              <a:rPr lang="ar-DZ" sz="3600" dirty="0" smtClean="0"/>
+              <a:t>قم </a:t>
+            </a:r>
+            <a:r>
+              <a:rPr lang="ar-DZ" sz="3600" dirty="0"/>
+              <a:t>بإضافة مشروع جديد ثم أحفظه تحت اسم "المسرح" في مجلدك </a:t>
+            </a:r>
+            <a:endParaRPr lang="ar-DZ" sz="3600" dirty="0" smtClean="0"/>
+          </a:p>
+          <a:p>
+            <a:pPr marL="742950" indent="-742950" algn="r" rtl="1">
+              <a:buFont typeface="+mj-lt"/>
+              <a:buAutoNum type="arabicPeriod"/>
             </a:pPr>
             <a:r>
-              <a:rPr lang="ar-DZ" sz="3600" dirty="0">
-                <a:latin typeface="Calibri" panose="020F0502020204030204" pitchFamily="34" charset="0"/>
-                <a:ea typeface="Calibri" panose="020F0502020204030204" pitchFamily="34" charset="0"/>
-                <a:cs typeface="+mj-cs"/>
-              </a:rPr>
-              <a:t>2.	قم بإضافة تأثيرات </a:t>
-            </a:r>
-            <a:r>
-              <a:rPr lang="ar-DZ" sz="3600" dirty="0" err="1">
-                <a:latin typeface="Calibri" panose="020F0502020204030204" pitchFamily="34" charset="0"/>
-                <a:ea typeface="Calibri" panose="020F0502020204030204" pitchFamily="34" charset="0"/>
-                <a:cs typeface="+mj-cs"/>
-              </a:rPr>
-              <a:t>الإنتقال</a:t>
-            </a:r>
-            <a:r>
-              <a:rPr lang="ar-DZ" sz="3600" dirty="0">
-                <a:latin typeface="Calibri" panose="020F0502020204030204" pitchFamily="34" charset="0"/>
-                <a:ea typeface="Calibri" panose="020F0502020204030204" pitchFamily="34" charset="0"/>
-                <a:cs typeface="+mj-cs"/>
-              </a:rPr>
-              <a:t> من شريحة لأخرى من اختيارك لجميع الشرائح</a:t>
-            </a:r>
-          </a:p>
-          <a:p>
-            <a:pPr lvl="0" algn="r" rtl="1">
-              <a:lnSpc>
-                <a:spcPct val="107000"/>
-              </a:lnSpc>
-              <a:spcAft>
-                <a:spcPts val="800"/>
-              </a:spcAft>
+              <a:rPr lang="ar-DZ" sz="3600" dirty="0" smtClean="0"/>
+              <a:t>قم </a:t>
+            </a:r>
+            <a:r>
+              <a:rPr lang="ar-DZ" sz="3600" dirty="0"/>
+              <a:t>بحذف كائن القط ثم أضف الكائن </a:t>
+            </a:r>
+            <a:r>
+              <a:rPr lang="fr-FR" sz="3600" dirty="0" err="1"/>
+              <a:t>Ballerina</a:t>
+            </a:r>
+            <a:r>
+              <a:rPr lang="fr-FR" sz="3600" dirty="0"/>
+              <a:t>-a </a:t>
+            </a:r>
+          </a:p>
+          <a:p>
+            <a:pPr marL="742950" indent="-742950" algn="r" rtl="1">
+              <a:buFont typeface="+mj-lt"/>
+              <a:buAutoNum type="arabicPeriod"/>
             </a:pPr>
             <a:r>
-              <a:rPr lang="ar-DZ" sz="3600" dirty="0">
-                <a:latin typeface="Calibri" panose="020F0502020204030204" pitchFamily="34" charset="0"/>
-                <a:ea typeface="Calibri" panose="020F0502020204030204" pitchFamily="34" charset="0"/>
-                <a:cs typeface="+mj-cs"/>
-              </a:rPr>
-              <a:t>3.	قم بعملية الحفظ من نوع </a:t>
-            </a:r>
-            <a:r>
-              <a:rPr lang="fr-FR" sz="3600" dirty="0">
-                <a:latin typeface="Calibri" panose="020F0502020204030204" pitchFamily="34" charset="0"/>
-                <a:ea typeface="Calibri" panose="020F0502020204030204" pitchFamily="34" charset="0"/>
-                <a:cs typeface="+mj-cs"/>
-              </a:rPr>
-              <a:t>Diaporama </a:t>
-            </a:r>
-            <a:r>
-              <a:rPr lang="fr-FR" sz="3600" dirty="0" smtClean="0">
-                <a:latin typeface="Calibri" panose="020F0502020204030204" pitchFamily="34" charset="0"/>
-                <a:ea typeface="Calibri" panose="020F0502020204030204" pitchFamily="34" charset="0"/>
-                <a:cs typeface="+mj-cs"/>
-              </a:rPr>
-              <a:t>PowerPoint </a:t>
-            </a:r>
-            <a:r>
-              <a:rPr lang="ar-DZ" sz="3600" dirty="0" smtClean="0">
-                <a:latin typeface="Calibri" panose="020F0502020204030204" pitchFamily="34" charset="0"/>
-                <a:ea typeface="Calibri" panose="020F0502020204030204" pitchFamily="34" charset="0"/>
-                <a:cs typeface="+mj-cs"/>
-              </a:rPr>
-              <a:t> تحت </a:t>
-            </a:r>
-            <a:r>
-              <a:rPr lang="ar-DZ" sz="3600" dirty="0">
-                <a:latin typeface="Calibri" panose="020F0502020204030204" pitchFamily="34" charset="0"/>
-                <a:ea typeface="Calibri" panose="020F0502020204030204" pitchFamily="34" charset="0"/>
-                <a:cs typeface="+mj-cs"/>
-              </a:rPr>
-              <a:t>أسمك ثم أعد فتح </a:t>
-            </a:r>
-            <a:r>
-              <a:rPr lang="ar-DZ" sz="3600" dirty="0" smtClean="0">
-                <a:latin typeface="Calibri" panose="020F0502020204030204" pitchFamily="34" charset="0"/>
-                <a:ea typeface="Calibri" panose="020F0502020204030204" pitchFamily="34" charset="0"/>
-                <a:cs typeface="+mj-cs"/>
-              </a:rPr>
-              <a:t>الملف ؟ </a:t>
-            </a:r>
-            <a:endParaRPr lang="ar-DZ" sz="3600" dirty="0">
-              <a:latin typeface="Calibri" panose="020F0502020204030204" pitchFamily="34" charset="0"/>
-              <a:ea typeface="Calibri" panose="020F0502020204030204" pitchFamily="34" charset="0"/>
-              <a:cs typeface="+mj-cs"/>
-            </a:endParaRPr>
-          </a:p>
-          <a:p>
-            <a:pPr lvl="0" algn="r" rtl="1">
-              <a:lnSpc>
-                <a:spcPct val="107000"/>
-              </a:lnSpc>
-              <a:spcAft>
-                <a:spcPts val="800"/>
-              </a:spcAft>
+              <a:rPr lang="ar-DZ" sz="3600" dirty="0" smtClean="0"/>
+              <a:t>أضف </a:t>
+            </a:r>
+            <a:r>
+              <a:rPr lang="ar-DZ" sz="3600" dirty="0"/>
+              <a:t>المظاهر الثلاثة الأخرى لهذا الكائن </a:t>
+            </a:r>
+            <a:endParaRPr lang="ar-DZ" sz="3600" dirty="0" smtClean="0"/>
+          </a:p>
+          <a:p>
+            <a:pPr marL="742950" indent="-742950" algn="r" rtl="1">
+              <a:buFont typeface="+mj-lt"/>
+              <a:buAutoNum type="arabicPeriod"/>
             </a:pPr>
             <a:r>
-              <a:rPr lang="ar-DZ" sz="3600" dirty="0">
-                <a:latin typeface="Calibri" panose="020F0502020204030204" pitchFamily="34" charset="0"/>
-                <a:ea typeface="Calibri" panose="020F0502020204030204" pitchFamily="34" charset="0"/>
-                <a:cs typeface="+mj-cs"/>
-              </a:rPr>
-              <a:t>4.	ماذا تلاحظ ؟</a:t>
-            </a:r>
-          </a:p>
-          <a:p>
-            <a:pPr lvl="0" algn="r" rtl="1">
-              <a:lnSpc>
-                <a:spcPct val="107000"/>
-              </a:lnSpc>
-              <a:spcAft>
-                <a:spcPts val="800"/>
-              </a:spcAft>
+              <a:rPr lang="ar-DZ" sz="3600" dirty="0" smtClean="0"/>
+              <a:t>قم </a:t>
+            </a:r>
+            <a:r>
+              <a:rPr lang="ar-DZ" sz="3600" dirty="0"/>
+              <a:t>بإضافة خلفية المسرح للمنصة </a:t>
+            </a:r>
+          </a:p>
+          <a:p>
+            <a:pPr marL="742950" indent="-742950" algn="r" rtl="1">
+              <a:buFont typeface="+mj-lt"/>
+              <a:buAutoNum type="arabicPeriod"/>
             </a:pPr>
             <a:r>
-              <a:rPr lang="ar-DZ" sz="3600" dirty="0">
-                <a:latin typeface="Calibri" panose="020F0502020204030204" pitchFamily="34" charset="0"/>
-                <a:ea typeface="Calibri" panose="020F0502020204030204" pitchFamily="34" charset="0"/>
-                <a:cs typeface="+mj-cs"/>
-              </a:rPr>
-              <a:t>5.	ما دور </a:t>
-            </a:r>
-            <a:r>
-              <a:rPr lang="ar-DZ" sz="3600" dirty="0" smtClean="0">
-                <a:latin typeface="Calibri" panose="020F0502020204030204" pitchFamily="34" charset="0"/>
-                <a:ea typeface="Calibri" panose="020F0502020204030204" pitchFamily="34" charset="0"/>
-                <a:cs typeface="+mj-cs"/>
-              </a:rPr>
-              <a:t>التعليمة</a:t>
-            </a:r>
-            <a:r>
-              <a:rPr lang="fr-FR" sz="3600" dirty="0" smtClean="0">
-                <a:latin typeface="Calibri" panose="020F0502020204030204" pitchFamily="34" charset="0"/>
-                <a:ea typeface="Calibri" panose="020F0502020204030204" pitchFamily="34" charset="0"/>
-                <a:cs typeface="+mj-cs"/>
-              </a:rPr>
-              <a:t>Appliquer </a:t>
-            </a:r>
-            <a:r>
-              <a:rPr lang="fr-FR" sz="3600" dirty="0">
-                <a:latin typeface="Calibri" panose="020F0502020204030204" pitchFamily="34" charset="0"/>
-                <a:ea typeface="Calibri" panose="020F0502020204030204" pitchFamily="34" charset="0"/>
-                <a:cs typeface="+mj-cs"/>
-              </a:rPr>
-              <a:t>partout </a:t>
-            </a:r>
-            <a:r>
-              <a:rPr lang="ar-DZ" sz="3600" dirty="0" smtClean="0">
-                <a:latin typeface="Calibri" panose="020F0502020204030204" pitchFamily="34" charset="0"/>
-                <a:ea typeface="Calibri" panose="020F0502020204030204" pitchFamily="34" charset="0"/>
-                <a:cs typeface="+mj-cs"/>
-              </a:rPr>
-              <a:t> الموجودة </a:t>
-            </a:r>
-            <a:r>
-              <a:rPr lang="ar-DZ" sz="3600" dirty="0">
-                <a:latin typeface="Calibri" panose="020F0502020204030204" pitchFamily="34" charset="0"/>
-                <a:ea typeface="Calibri" panose="020F0502020204030204" pitchFamily="34" charset="0"/>
-                <a:cs typeface="+mj-cs"/>
-              </a:rPr>
-              <a:t>في المجموعة </a:t>
-            </a:r>
-            <a:r>
-              <a:rPr lang="fr-FR" sz="3600" dirty="0">
-                <a:latin typeface="Calibri" panose="020F0502020204030204" pitchFamily="34" charset="0"/>
-                <a:ea typeface="Calibri" panose="020F0502020204030204" pitchFamily="34" charset="0"/>
-                <a:cs typeface="+mj-cs"/>
-              </a:rPr>
-              <a:t>Minutage </a:t>
-            </a:r>
-            <a:r>
-              <a:rPr lang="ar-DZ" sz="3600" dirty="0" smtClean="0">
-                <a:latin typeface="Calibri" panose="020F0502020204030204" pitchFamily="34" charset="0"/>
-                <a:ea typeface="Calibri" panose="020F0502020204030204" pitchFamily="34" charset="0"/>
-                <a:cs typeface="+mj-cs"/>
-              </a:rPr>
+              <a:rPr lang="ar-DZ" sz="3600" dirty="0" smtClean="0"/>
+              <a:t>أضف الصوت</a:t>
+            </a:r>
+            <a:r>
+              <a:rPr lang="fr-FR" sz="3600" dirty="0" err="1" smtClean="0"/>
+              <a:t>DrumMachine</a:t>
+            </a:r>
+            <a:r>
+              <a:rPr lang="fr-FR" sz="3600" dirty="0" smtClean="0"/>
               <a:t> </a:t>
             </a:r>
             <a:r>
-              <a:rPr lang="fr-FR" sz="3600" dirty="0" smtClean="0">
-                <a:latin typeface="Calibri" panose="020F0502020204030204" pitchFamily="34" charset="0"/>
-                <a:ea typeface="Calibri" panose="020F0502020204030204" pitchFamily="34" charset="0"/>
-                <a:cs typeface="+mj-cs"/>
-              </a:rPr>
-              <a:t>؟</a:t>
-            </a:r>
-            <a:endParaRPr lang="fr-FR" sz="3600" dirty="0">
-              <a:latin typeface="Calibri" panose="020F0502020204030204" pitchFamily="34" charset="0"/>
-              <a:ea typeface="Calibri" panose="020F0502020204030204" pitchFamily="34" charset="0"/>
-              <a:cs typeface="+mj-cs"/>
-            </a:endParaRPr>
+              <a:rPr lang="ar-DZ" sz="3600" dirty="0" smtClean="0"/>
+              <a:t> للخلفية </a:t>
+            </a:r>
+            <a:r>
+              <a:rPr lang="ar-DZ" sz="3600" dirty="0"/>
+              <a:t>الموجود في </a:t>
+            </a:r>
+            <a:r>
+              <a:rPr lang="ar-DZ" sz="3600" dirty="0" smtClean="0"/>
+              <a:t>المجلد</a:t>
+            </a:r>
+            <a:r>
+              <a:rPr lang="fr-FR" sz="3600" dirty="0" smtClean="0"/>
+              <a:t>Fichier-utils</a:t>
+            </a:r>
+            <a:endParaRPr lang="ar-DZ" sz="3600" dirty="0" smtClean="0"/>
+          </a:p>
+          <a:p>
+            <a:pPr marL="742950" indent="-742950" algn="r" rtl="1">
+              <a:buFont typeface="+mj-lt"/>
+              <a:buAutoNum type="arabicPeriod"/>
+            </a:pPr>
+            <a:r>
+              <a:rPr lang="ar-DZ" sz="3600" dirty="0" smtClean="0"/>
+              <a:t>تحقق من ظهور الصوت</a:t>
+            </a:r>
+            <a:r>
+              <a:rPr lang="fr-FR" sz="3600" dirty="0" err="1" smtClean="0"/>
+              <a:t>DrumMachine</a:t>
+            </a:r>
+            <a:r>
+              <a:rPr lang="fr-FR" sz="3600" dirty="0" smtClean="0"/>
+              <a:t> </a:t>
+            </a:r>
+            <a:r>
+              <a:rPr lang="ar-DZ" sz="3600" dirty="0" smtClean="0"/>
+              <a:t> في لبنات الصوت </a:t>
+            </a:r>
+          </a:p>
+          <a:p>
+            <a:pPr marL="742950" indent="-742950" algn="r" rtl="1">
+              <a:buFont typeface="+mj-lt"/>
+              <a:buAutoNum type="arabicPeriod"/>
+            </a:pPr>
+            <a:r>
+              <a:rPr lang="ar-DZ" sz="3600" dirty="0" smtClean="0"/>
+              <a:t>انشئ </a:t>
+            </a:r>
+            <a:r>
+              <a:rPr lang="ar-DZ" sz="3600" dirty="0"/>
+              <a:t>مقطع برمجي للكائن يسمح بـ : تغيير مظهره كل 0.5 ثانية باستمرار </a:t>
+            </a:r>
+          </a:p>
+          <a:p>
+            <a:pPr marL="742950" indent="-742950" algn="r" rtl="1">
+              <a:buFont typeface="+mj-lt"/>
+              <a:buAutoNum type="arabicPeriod"/>
+            </a:pPr>
+            <a:r>
+              <a:rPr lang="ar-DZ" sz="3600" dirty="0" smtClean="0"/>
+              <a:t>انشئ </a:t>
+            </a:r>
+            <a:r>
+              <a:rPr lang="ar-DZ" sz="3600" dirty="0"/>
+              <a:t>مقطع برمجي للمنصة يسمح بـ : تشغيل الصوت </a:t>
+            </a:r>
+            <a:r>
+              <a:rPr lang="fr-FR" sz="3600" dirty="0" err="1"/>
+              <a:t>DrumMachine</a:t>
+            </a:r>
+            <a:r>
+              <a:rPr lang="fr-FR" sz="3600" dirty="0"/>
+              <a:t> </a:t>
+            </a:r>
+            <a:r>
+              <a:rPr lang="ar-DZ" sz="3600" dirty="0" smtClean="0"/>
+              <a:t>باستمرار</a:t>
+            </a:r>
+            <a:endParaRPr lang="ar-DZ" sz="3600" dirty="0"/>
           </a:p>
         </p:txBody>
       </p:sp>

--- a/3 am/بناء المشاريع 3/استخدام الأصوات 1/cours 13/عرض الدرس.pptx
+++ b/3 am/بناء المشاريع 3/استخدام الأصوات 1/cours 13/عرض الدرس.pptx
@@ -248,7 +248,7 @@
           <a:p>
             <a:fld id="{33E46DBA-FA3B-4C5F-B700-4671668DAB72}" type="datetimeFigureOut">
               <a:rPr lang="fr-FR" smtClean="0"/>
-              <a:t>09/04/2025</a:t>
+              <a:t>15/04/2025</a:t>
             </a:fld>
             <a:endParaRPr lang="fr-FR"/>
           </a:p>
@@ -418,7 +418,7 @@
           <a:p>
             <a:fld id="{33E46DBA-FA3B-4C5F-B700-4671668DAB72}" type="datetimeFigureOut">
               <a:rPr lang="fr-FR" smtClean="0"/>
-              <a:t>09/04/2025</a:t>
+              <a:t>15/04/2025</a:t>
             </a:fld>
             <a:endParaRPr lang="fr-FR"/>
           </a:p>
@@ -598,7 +598,7 @@
           <a:p>
             <a:fld id="{33E46DBA-FA3B-4C5F-B700-4671668DAB72}" type="datetimeFigureOut">
               <a:rPr lang="fr-FR" smtClean="0"/>
-              <a:t>09/04/2025</a:t>
+              <a:t>15/04/2025</a:t>
             </a:fld>
             <a:endParaRPr lang="fr-FR"/>
           </a:p>
@@ -768,7 +768,7 @@
           <a:p>
             <a:fld id="{33E46DBA-FA3B-4C5F-B700-4671668DAB72}" type="datetimeFigureOut">
               <a:rPr lang="fr-FR" smtClean="0"/>
-              <a:t>09/04/2025</a:t>
+              <a:t>15/04/2025</a:t>
             </a:fld>
             <a:endParaRPr lang="fr-FR"/>
           </a:p>
@@ -1014,7 +1014,7 @@
           <a:p>
             <a:fld id="{33E46DBA-FA3B-4C5F-B700-4671668DAB72}" type="datetimeFigureOut">
               <a:rPr lang="fr-FR" smtClean="0"/>
-              <a:t>09/04/2025</a:t>
+              <a:t>15/04/2025</a:t>
             </a:fld>
             <a:endParaRPr lang="fr-FR"/>
           </a:p>
@@ -1246,7 +1246,7 @@
           <a:p>
             <a:fld id="{33E46DBA-FA3B-4C5F-B700-4671668DAB72}" type="datetimeFigureOut">
               <a:rPr lang="fr-FR" smtClean="0"/>
-              <a:t>09/04/2025</a:t>
+              <a:t>15/04/2025</a:t>
             </a:fld>
             <a:endParaRPr lang="fr-FR"/>
           </a:p>
@@ -1613,7 +1613,7 @@
           <a:p>
             <a:fld id="{33E46DBA-FA3B-4C5F-B700-4671668DAB72}" type="datetimeFigureOut">
               <a:rPr lang="fr-FR" smtClean="0"/>
-              <a:t>09/04/2025</a:t>
+              <a:t>15/04/2025</a:t>
             </a:fld>
             <a:endParaRPr lang="fr-FR"/>
           </a:p>
@@ -1731,7 +1731,7 @@
           <a:p>
             <a:fld id="{33E46DBA-FA3B-4C5F-B700-4671668DAB72}" type="datetimeFigureOut">
               <a:rPr lang="fr-FR" smtClean="0"/>
-              <a:t>09/04/2025</a:t>
+              <a:t>15/04/2025</a:t>
             </a:fld>
             <a:endParaRPr lang="fr-FR"/>
           </a:p>
@@ -1826,7 +1826,7 @@
           <a:p>
             <a:fld id="{33E46DBA-FA3B-4C5F-B700-4671668DAB72}" type="datetimeFigureOut">
               <a:rPr lang="fr-FR" smtClean="0"/>
-              <a:t>09/04/2025</a:t>
+              <a:t>15/04/2025</a:t>
             </a:fld>
             <a:endParaRPr lang="fr-FR"/>
           </a:p>
@@ -2103,7 +2103,7 @@
           <a:p>
             <a:fld id="{33E46DBA-FA3B-4C5F-B700-4671668DAB72}" type="datetimeFigureOut">
               <a:rPr lang="fr-FR" smtClean="0"/>
-              <a:t>09/04/2025</a:t>
+              <a:t>15/04/2025</a:t>
             </a:fld>
             <a:endParaRPr lang="fr-FR"/>
           </a:p>
@@ -2356,7 +2356,7 @@
           <a:p>
             <a:fld id="{33E46DBA-FA3B-4C5F-B700-4671668DAB72}" type="datetimeFigureOut">
               <a:rPr lang="fr-FR" smtClean="0"/>
-              <a:t>09/04/2025</a:t>
+              <a:t>15/04/2025</a:t>
             </a:fld>
             <a:endParaRPr lang="fr-FR"/>
           </a:p>
@@ -2569,7 +2569,7 @@
           <a:p>
             <a:fld id="{33E46DBA-FA3B-4C5F-B700-4671668DAB72}" type="datetimeFigureOut">
               <a:rPr lang="fr-FR" smtClean="0"/>
-              <a:t>09/04/2025</a:t>
+              <a:t>15/04/2025</a:t>
             </a:fld>
             <a:endParaRPr lang="fr-FR"/>
           </a:p>
@@ -3034,7 +3034,7 @@
           <p:cNvPr id="6" name="Rectangle : coins arrondis 12">
             <a:extLst>
               <a:ext uri="{FF2B5EF4-FFF2-40B4-BE49-F238E27FC236}">
-                <a16:creationId xmlns="" xmlns:a16="http://schemas.microsoft.com/office/drawing/2014/main" id="{2A52F28A-4066-7F20-F61B-78B99AF33888}"/>
+                <a16:creationId xmlns:a16="http://schemas.microsoft.com/office/drawing/2014/main" xmlns="" id="{2A52F28A-4066-7F20-F61B-78B99AF33888}"/>
               </a:ext>
             </a:extLst>
           </p:cNvPr>
@@ -3043,8 +3043,8 @@
         </p:nvSpPr>
         <p:spPr>
           <a:xfrm>
-            <a:off x="624114" y="1077237"/>
-            <a:ext cx="11567886" cy="3995803"/>
+            <a:off x="624114" y="1077238"/>
+            <a:ext cx="11567886" cy="2304790"/>
           </a:xfrm>
           <a:prstGeom prst="roundRect">
             <a:avLst/>
@@ -3071,39 +3071,6 @@
         <p:txBody>
           <a:bodyPr rtlCol="0" anchor="ctr"/>
           <a:lstStyle/>
-          <a:p>
-            <a:pPr marL="571500" indent="-571500" algn="r" rtl="1">
-              <a:buFont typeface="Wingdings" panose="05000000000000000000" pitchFamily="2" charset="2"/>
-              <a:buChar char="Ø"/>
-            </a:pPr>
-            <a:r>
-              <a:rPr lang="ar-DZ" sz="4000" dirty="0" smtClean="0"/>
-              <a:t>عرض </a:t>
-            </a:r>
-            <a:r>
-              <a:rPr lang="ar-DZ" sz="4000" dirty="0"/>
-              <a:t>مقطع برمجي بالصوت و اخر بدون </a:t>
-            </a:r>
-            <a:r>
-              <a:rPr lang="ar-DZ" sz="4000" dirty="0" smtClean="0"/>
-              <a:t>صوت.</a:t>
-            </a:r>
-            <a:endParaRPr lang="ar-DZ" sz="4000" dirty="0"/>
-          </a:p>
-          <a:p>
-            <a:pPr marL="571500" indent="-571500" algn="r" rtl="1">
-              <a:buFont typeface="Wingdings" panose="05000000000000000000" pitchFamily="2" charset="2"/>
-              <a:buChar char="Ø"/>
-            </a:pPr>
-            <a:r>
-              <a:rPr lang="ar-DZ" sz="4000" dirty="0" smtClean="0"/>
-              <a:t>ما </a:t>
-            </a:r>
-            <a:r>
-              <a:rPr lang="ar-DZ" sz="4000" dirty="0"/>
-              <a:t>الفرق بين المقطعين ؟ </a:t>
-            </a:r>
-          </a:p>
           <a:p>
             <a:pPr marL="571500" indent="-571500" algn="r" rtl="1">
               <a:buFont typeface="Wingdings" panose="05000000000000000000" pitchFamily="2" charset="2"/>
@@ -3187,7 +3154,7 @@
           <p:cNvPr id="11" name="Rectangle 8">
             <a:extLst>
               <a:ext uri="{FF2B5EF4-FFF2-40B4-BE49-F238E27FC236}">
-                <a16:creationId xmlns="" xmlns:a16="http://schemas.microsoft.com/office/drawing/2014/main" id="{31EC9893-997B-FAF1-44A7-86DC576C44E1}"/>
+                <a16:creationId xmlns:a16="http://schemas.microsoft.com/office/drawing/2014/main" xmlns="" id="{31EC9893-997B-FAF1-44A7-86DC576C44E1}"/>
               </a:ext>
             </a:extLst>
           </p:cNvPr>
@@ -3512,7 +3479,7 @@
           <p:cNvPr id="12" name="ZoneTexte 11">
             <a:extLst>
               <a:ext uri="{FF2B5EF4-FFF2-40B4-BE49-F238E27FC236}">
-                <a16:creationId xmlns="" xmlns:a16="http://schemas.microsoft.com/office/drawing/2014/main" id="{0B494AC6-9B2E-422F-B16A-015D6B0BA580}"/>
+                <a16:creationId xmlns:a16="http://schemas.microsoft.com/office/drawing/2014/main" xmlns="" id="{0B494AC6-9B2E-422F-B16A-015D6B0BA580}"/>
               </a:ext>
             </a:extLst>
           </p:cNvPr>
@@ -3571,7 +3538,7 @@
           <p:cNvPr id="13" name="Rectangle 9">
             <a:extLst>
               <a:ext uri="{FF2B5EF4-FFF2-40B4-BE49-F238E27FC236}">
-                <a16:creationId xmlns="" xmlns:a16="http://schemas.microsoft.com/office/drawing/2014/main" id="{894EDA96-9226-5939-95FB-4A21ACC79E4A}"/>
+                <a16:creationId xmlns:a16="http://schemas.microsoft.com/office/drawing/2014/main" xmlns="" id="{894EDA96-9226-5939-95FB-4A21ACC79E4A}"/>
               </a:ext>
             </a:extLst>
           </p:cNvPr>
@@ -4506,7 +4473,7 @@
           <p:cNvPr id="11" name="Rectangle 8">
             <a:extLst>
               <a:ext uri="{FF2B5EF4-FFF2-40B4-BE49-F238E27FC236}">
-                <a16:creationId xmlns="" xmlns:a16="http://schemas.microsoft.com/office/drawing/2014/main" id="{31EC9893-997B-FAF1-44A7-86DC576C44E1}"/>
+                <a16:creationId xmlns:a16="http://schemas.microsoft.com/office/drawing/2014/main" xmlns="" id="{31EC9893-997B-FAF1-44A7-86DC576C44E1}"/>
               </a:ext>
             </a:extLst>
           </p:cNvPr>
@@ -4786,7 +4753,7 @@
           <p:cNvPr id="12" name="ZoneTexte 11">
             <a:extLst>
               <a:ext uri="{FF2B5EF4-FFF2-40B4-BE49-F238E27FC236}">
-                <a16:creationId xmlns="" xmlns:a16="http://schemas.microsoft.com/office/drawing/2014/main" id="{0B494AC6-9B2E-422F-B16A-015D6B0BA580}"/>
+                <a16:creationId xmlns:a16="http://schemas.microsoft.com/office/drawing/2014/main" xmlns="" id="{0B494AC6-9B2E-422F-B16A-015D6B0BA580}"/>
               </a:ext>
             </a:extLst>
           </p:cNvPr>
@@ -4829,29 +4796,7 @@
                 <a:ea typeface="Calibri" panose="020F0502020204030204" pitchFamily="34" charset="0"/>
                 <a:cs typeface="Times New Roman" panose="02020603050405020304" pitchFamily="18" charset="0"/>
               </a:rPr>
-              <a:t>نشاط </a:t>
-            </a:r>
-            <a:r>
-              <a:rPr lang="ar-DZ" sz="3600" b="1" u="sng" dirty="0" smtClean="0">
-                <a:solidFill>
-                  <a:srgbClr val="FF0000"/>
-                </a:solidFill>
-                <a:latin typeface="Calibri" panose="020F0502020204030204" pitchFamily="34" charset="0"/>
-                <a:ea typeface="Calibri" panose="020F0502020204030204" pitchFamily="34" charset="0"/>
-                <a:cs typeface="Times New Roman" panose="02020603050405020304" pitchFamily="18" charset="0"/>
-              </a:rPr>
-              <a:t>02 </a:t>
-            </a:r>
-            <a:r>
-              <a:rPr lang="ar-DZ" sz="3600" b="1" u="sng" dirty="0" smtClean="0">
-                <a:solidFill>
-                  <a:srgbClr val="FF0000"/>
-                </a:solidFill>
-                <a:latin typeface="Calibri" panose="020F0502020204030204" pitchFamily="34" charset="0"/>
-                <a:ea typeface="Calibri" panose="020F0502020204030204" pitchFamily="34" charset="0"/>
-                <a:cs typeface="Times New Roman" panose="02020603050405020304" pitchFamily="18" charset="0"/>
-              </a:rPr>
-              <a:t>:</a:t>
+              <a:t>نشاط 02 :</a:t>
             </a:r>
             <a:endParaRPr lang="fr-FR" sz="2000" dirty="0">
               <a:effectLst/>
@@ -4867,7 +4812,7 @@
           <p:cNvPr id="13" name="Rectangle 9">
             <a:extLst>
               <a:ext uri="{FF2B5EF4-FFF2-40B4-BE49-F238E27FC236}">
-                <a16:creationId xmlns="" xmlns:a16="http://schemas.microsoft.com/office/drawing/2014/main" id="{894EDA96-9226-5939-95FB-4A21ACC79E4A}"/>
+                <a16:creationId xmlns:a16="http://schemas.microsoft.com/office/drawing/2014/main" xmlns="" id="{894EDA96-9226-5939-95FB-4A21ACC79E4A}"/>
               </a:ext>
             </a:extLst>
           </p:cNvPr>
@@ -5767,11 +5712,23 @@
             </a:pPr>
             <a:r>
               <a:rPr lang="ar-DZ" sz="3600" dirty="0" smtClean="0"/>
-              <a:t>أضف </a:t>
+              <a:t>تحقق </a:t>
+            </a:r>
+            <a:r>
+              <a:rPr lang="ar-DZ" sz="3600" dirty="0" smtClean="0"/>
+              <a:t>من وجود </a:t>
+            </a:r>
+            <a:r>
+              <a:rPr lang="ar-DZ" sz="3600" smtClean="0"/>
+              <a:t>مظاهر أخري </a:t>
+            </a:r>
+            <a:r>
+              <a:rPr lang="ar-DZ" sz="3600" smtClean="0"/>
+              <a:t>لهذا </a:t>
             </a:r>
             <a:r>
               <a:rPr lang="ar-DZ" sz="3600" dirty="0"/>
-              <a:t>المظاهر الثلاثة الأخرى لهذا الكائن </a:t>
+              <a:t>الكائن </a:t>
             </a:r>
             <a:endParaRPr lang="ar-DZ" sz="3600" dirty="0" smtClean="0"/>
           </a:p>
